--- a/LWANG_Solo_Project_Presentation.pptx
+++ b/LWANG_Solo_Project_Presentation.pptx
@@ -17,10 +17,12 @@
     <p:sldId id="280" r:id="rId11"/>
     <p:sldId id="277" r:id="rId12"/>
     <p:sldId id="281" r:id="rId13"/>
-    <p:sldId id="282" r:id="rId14"/>
-    <p:sldId id="283" r:id="rId15"/>
-    <p:sldId id="284" r:id="rId16"/>
-    <p:sldId id="285" r:id="rId17"/>
+    <p:sldId id="288" r:id="rId14"/>
+    <p:sldId id="289" r:id="rId15"/>
+    <p:sldId id="282" r:id="rId16"/>
+    <p:sldId id="283" r:id="rId17"/>
+    <p:sldId id="284" r:id="rId18"/>
+    <p:sldId id="285" r:id="rId19"/>
   </p:sldIdLst>
   <p:sldSz cx="12192000" cy="6858000"/>
   <p:notesSz cx="6858000" cy="9144000"/>
@@ -463,7 +465,7 @@
             <a:fld id="{5923F103-BC34-4FE4-A40E-EDDEECFDA5D0}" type="datetimeFigureOut">
               <a:rPr lang="en-US" dirty="0"/>
               <a:pPr/>
-              <a:t>7/16/19</a:t>
+              <a:t>7/23/19</a:t>
             </a:fld>
             <a:endParaRPr lang="en-US" dirty="0"/>
           </a:p>
@@ -1547,7 +1549,7 @@
           <a:p>
             <a:fld id="{923A1CC3-2375-41D4-9E03-427CAF2A4C1A}" type="datetimeFigureOut">
               <a:rPr lang="en-US" dirty="0"/>
-              <a:t>7/16/19</a:t>
+              <a:t>7/23/19</a:t>
             </a:fld>
             <a:endParaRPr lang="en-US" dirty="0"/>
           </a:p>
@@ -2523,7 +2525,7 @@
           <a:p>
             <a:fld id="{AFF16868-8199-4C2C-A5B1-63AEE139F88E}" type="datetimeFigureOut">
               <a:rPr lang="en-US" dirty="0"/>
-              <a:t>7/16/19</a:t>
+              <a:t>7/23/19</a:t>
             </a:fld>
             <a:endParaRPr lang="en-US" dirty="0"/>
           </a:p>
@@ -3653,7 +3655,7 @@
           <a:p>
             <a:fld id="{AAD9FF7F-6988-44CC-821B-644E70CD2F73}" type="datetimeFigureOut">
               <a:rPr lang="en-US" dirty="0"/>
-              <a:t>7/16/19</a:t>
+              <a:t>7/23/19</a:t>
             </a:fld>
             <a:endParaRPr lang="en-US" dirty="0"/>
           </a:p>
@@ -4682,7 +4684,7 @@
           <a:p>
             <a:fld id="{5C12C299-16B2-4475-990D-751901EACC14}" type="datetimeFigureOut">
               <a:rPr lang="en-US" dirty="0"/>
-              <a:t>7/16/19</a:t>
+              <a:t>7/23/19</a:t>
             </a:fld>
             <a:endParaRPr lang="en-US" dirty="0"/>
           </a:p>
@@ -5338,7 +5340,7 @@
           <a:p>
             <a:fld id="{9FE86839-B9D8-4651-8783-F325ECE74E65}" type="datetimeFigureOut">
               <a:rPr lang="en-US" dirty="0"/>
-              <a:t>7/16/19</a:t>
+              <a:t>7/23/19</a:t>
             </a:fld>
             <a:endParaRPr lang="en-US" dirty="0"/>
           </a:p>
@@ -6195,7 +6197,7 @@
           <a:p>
             <a:fld id="{FD484F64-32F6-45C5-931F-ADC1662401D0}" type="datetimeFigureOut">
               <a:rPr lang="en-US" dirty="0"/>
-              <a:t>7/16/19</a:t>
+              <a:t>7/23/19</a:t>
             </a:fld>
             <a:endParaRPr lang="en-US" dirty="0"/>
           </a:p>
@@ -6381,7 +6383,7 @@
           <a:p>
             <a:fld id="{53086D93-FCAC-47E0-A2EE-787E62CA814C}" type="datetimeFigureOut">
               <a:rPr lang="en-US" dirty="0"/>
-              <a:t>7/16/19</a:t>
+              <a:t>7/23/19</a:t>
             </a:fld>
             <a:endParaRPr lang="en-US" dirty="0"/>
           </a:p>
@@ -7349,7 +7351,7 @@
           <a:p>
             <a:fld id="{CDA879A6-0FD0-4734-A311-86BFCA472E6E}" type="datetimeFigureOut">
               <a:rPr lang="en-US" dirty="0"/>
-              <a:t>7/16/19</a:t>
+              <a:t>7/23/19</a:t>
             </a:fld>
             <a:endParaRPr lang="en-US" dirty="0"/>
           </a:p>
@@ -7556,7 +7558,7 @@
           <a:p>
             <a:fld id="{19C9CA7B-DFD4-44B5-8C60-D14B8CD1FB59}" type="datetimeFigureOut">
               <a:rPr lang="en-US" dirty="0"/>
-              <a:t>7/16/19</a:t>
+              <a:t>7/23/19</a:t>
             </a:fld>
             <a:endParaRPr lang="en-US" dirty="0"/>
           </a:p>
@@ -8586,7 +8588,7 @@
           <a:p>
             <a:fld id="{F34E6425-0181-43F2-84FC-787E803FD2F8}" type="datetimeFigureOut">
               <a:rPr lang="en-US" dirty="0"/>
-              <a:t>7/16/19</a:t>
+              <a:t>7/23/19</a:t>
             </a:fld>
             <a:endParaRPr lang="en-US" dirty="0"/>
           </a:p>
@@ -8854,7 +8856,7 @@
           <a:p>
             <a:fld id="{3BDB8791-F1B0-41E7-B7FD-A781E65C4266}" type="datetimeFigureOut">
               <a:rPr lang="en-US" dirty="0"/>
-              <a:t>7/16/19</a:t>
+              <a:t>7/23/19</a:t>
             </a:fld>
             <a:endParaRPr lang="en-US" dirty="0"/>
           </a:p>
@@ -9260,7 +9262,7 @@
           <a:p>
             <a:fld id="{5FDD63B2-E120-4ED8-B27B-C685F510A5FE}" type="datetimeFigureOut">
               <a:rPr lang="en-US" dirty="0"/>
-              <a:t>7/16/19</a:t>
+              <a:t>7/23/19</a:t>
             </a:fld>
             <a:endParaRPr lang="en-US" dirty="0"/>
           </a:p>
@@ -9383,7 +9385,7 @@
           <a:p>
             <a:fld id="{7AA18ACC-A947-437B-A130-35BD54FDF1E9}" type="datetimeFigureOut">
               <a:rPr lang="en-US" dirty="0"/>
-              <a:t>7/16/19</a:t>
+              <a:t>7/23/19</a:t>
             </a:fld>
             <a:endParaRPr lang="en-US" dirty="0"/>
           </a:p>
@@ -9474,7 +9476,7 @@
           <a:p>
             <a:fld id="{7C8D7E02-BCB8-4D50-A234-369438C08659}" type="datetimeFigureOut">
               <a:rPr lang="en-US" dirty="0"/>
-              <a:t>7/16/19</a:t>
+              <a:t>7/23/19</a:t>
             </a:fld>
             <a:endParaRPr lang="en-US" dirty="0"/>
           </a:p>
@@ -10551,7 +10553,7 @@
           <a:p>
             <a:fld id="{76E86A4C-8E40-4F87-A4F0-01A0687C5742}" type="datetimeFigureOut">
               <a:rPr lang="en-US" dirty="0"/>
-              <a:t>7/16/19</a:t>
+              <a:t>7/23/19</a:t>
             </a:fld>
             <a:endParaRPr lang="en-US" dirty="0"/>
           </a:p>
@@ -11655,7 +11657,7 @@
           <a:p>
             <a:fld id="{35E72C73-2D91-4E12-BA25-F0AA0C03599B}" type="datetimeFigureOut">
               <a:rPr lang="en-US" dirty="0"/>
-              <a:t>7/16/19</a:t>
+              <a:t>7/23/19</a:t>
             </a:fld>
             <a:endParaRPr lang="en-US" dirty="0"/>
           </a:p>
@@ -12648,7 +12650,7 @@
           <a:p>
             <a:fld id="{2BE451C3-0FF4-47C4-B829-773ADF60F88C}" type="datetimeFigureOut">
               <a:rPr lang="en-US" dirty="0"/>
-              <a:t>7/16/19</a:t>
+              <a:t>7/23/19</a:t>
             </a:fld>
             <a:endParaRPr lang="en-US" dirty="0"/>
           </a:p>
@@ -13338,14 +13340,14 @@
           <p:nvPr>
             <p:extLst>
               <p:ext uri="{D42A27DB-BD31-4B8C-83A1-F6EECF244321}">
-                <p14:modId xmlns:p14="http://schemas.microsoft.com/office/powerpoint/2010/main" val="1906182740"/>
+                <p14:modId xmlns:p14="http://schemas.microsoft.com/office/powerpoint/2010/main" val="4253514937"/>
               </p:ext>
             </p:extLst>
           </p:nvPr>
         </p:nvGraphicFramePr>
         <p:xfrm>
-          <a:off x="5477167" y="988669"/>
-          <a:ext cx="4538814" cy="4816935"/>
+          <a:off x="5454588" y="274320"/>
+          <a:ext cx="4538814" cy="6309360"/>
         </p:xfrm>
         <a:graphic>
           <a:graphicData uri="http://schemas.openxmlformats.org/drawingml/2006/table">
@@ -13376,7 +13378,7 @@
                   </a:extLst>
                 </a:gridCol>
               </a:tblGrid>
-              <a:tr h="294713">
+              <a:tr h="365760">
                 <a:tc>
                   <a:txBody>
                     <a:bodyPr/>
@@ -13408,6 +13410,7 @@
                     <a:bodyPr/>
                     <a:lstStyle/>
                     <a:p>
+                      <a:pPr algn="l"/>
                       <a:r>
                         <a:rPr lang="en-US" sz="1000" dirty="0"/>
                         <a:t>Estimate</a:t>
@@ -13422,7 +13425,7 @@
                   </a:ext>
                 </a:extLst>
               </a:tr>
-              <a:tr h="294713">
+              <a:tr h="365760">
                 <a:tc>
                   <a:txBody>
                     <a:bodyPr/>
@@ -13451,9 +13454,10 @@
                     <a:bodyPr/>
                     <a:lstStyle/>
                     <a:p>
+                      <a:pPr algn="l"/>
                       <a:r>
                         <a:rPr lang="en-US" sz="1000" dirty="0"/>
-                        <a:t>-0.93978167</a:t>
+                        <a:t>-0.22679842</a:t>
                       </a:r>
                     </a:p>
                   </a:txBody>
@@ -13465,7 +13469,7 @@
                   </a:ext>
                 </a:extLst>
               </a:tr>
-              <a:tr h="294713">
+              <a:tr h="365760">
                 <a:tc>
                   <a:txBody>
                     <a:bodyPr/>
@@ -13473,7 +13477,7 @@
                     <a:p>
                       <a:r>
                         <a:rPr lang="en-US" sz="1000" dirty="0"/>
-                        <a:t>auto_renewal_2</a:t>
+                        <a:t>termination_rights_2</a:t>
                       </a:r>
                     </a:p>
                   </a:txBody>
@@ -13503,7 +13507,7 @@
                       </a:pPr>
                       <a:r>
                         <a:rPr lang="en-US" sz="1000" dirty="0"/>
-                        <a:t>Yes - 30-day notice</a:t>
+                        <a:t>Yes - less than 90-day notice</a:t>
                       </a:r>
                     </a:p>
                   </a:txBody>
@@ -13514,9 +13518,10 @@
                     <a:bodyPr/>
                     <a:lstStyle/>
                     <a:p>
+                      <a:pPr algn="l"/>
                       <a:r>
                         <a:rPr lang="en-US" sz="1000" dirty="0"/>
-                        <a:t>0.755138615</a:t>
+                        <a:t>0.39039065</a:t>
                       </a:r>
                     </a:p>
                   </a:txBody>
@@ -13528,7 +13533,7 @@
                   </a:ext>
                 </a:extLst>
               </a:tr>
-              <a:tr h="294713">
+              <a:tr h="365760">
                 <a:tc>
                   <a:txBody>
                     <a:bodyPr/>
@@ -13560,9 +13565,10 @@
                     <a:bodyPr/>
                     <a:lstStyle/>
                     <a:p>
+                      <a:pPr algn="l"/>
                       <a:r>
                         <a:rPr lang="en-US" sz="1000" dirty="0"/>
-                        <a:t>-0.40240528</a:t>
+                        <a:t>-0.32973426</a:t>
                       </a:r>
                     </a:p>
                   </a:txBody>
@@ -13574,7 +13580,7 @@
                   </a:ext>
                 </a:extLst>
               </a:tr>
-              <a:tr h="294713">
+              <a:tr h="365760">
                 <a:tc>
                   <a:txBody>
                     <a:bodyPr/>
@@ -13606,9 +13612,10 @@
                     <a:bodyPr/>
                     <a:lstStyle/>
                     <a:p>
+                      <a:pPr algn="l"/>
                       <a:r>
                         <a:rPr lang="en-US" sz="1000" dirty="0"/>
-                        <a:t>-0.41405036</a:t>
+                        <a:t>-0.05593888</a:t>
                       </a:r>
                     </a:p>
                   </a:txBody>
@@ -13620,7 +13627,7 @@
                   </a:ext>
                 </a:extLst>
               </a:tr>
-              <a:tr h="294713">
+              <a:tr h="365760">
                 <a:tc>
                   <a:txBody>
                     <a:bodyPr/>
@@ -13652,9 +13659,10 @@
                     <a:bodyPr/>
                     <a:lstStyle/>
                     <a:p>
+                      <a:pPr algn="l"/>
                       <a:r>
                         <a:rPr lang="en-US" sz="1000" dirty="0"/>
-                        <a:t>1.03924123</a:t>
+                        <a:t>1.40385712</a:t>
                       </a:r>
                     </a:p>
                   </a:txBody>
@@ -13666,7 +13674,7 @@
                   </a:ext>
                 </a:extLst>
               </a:tr>
-              <a:tr h="294713">
+              <a:tr h="365760">
                 <a:tc>
                   <a:txBody>
                     <a:bodyPr/>
@@ -13685,6 +13693,23 @@
                     <a:bodyPr/>
                     <a:lstStyle/>
                     <a:p>
+                      <a:pPr marL="0" marR="0" lvl="0" indent="0" algn="l" defTabSz="457200" rtl="0" eaLnBrk="1" fontAlgn="auto" latinLnBrk="0" hangingPunct="1">
+                        <a:lnSpc>
+                          <a:spcPct val="100000"/>
+                        </a:lnSpc>
+                        <a:spcBef>
+                          <a:spcPts val="0"/>
+                        </a:spcBef>
+                        <a:spcAft>
+                          <a:spcPts val="0"/>
+                        </a:spcAft>
+                        <a:buClrTx/>
+                        <a:buSzTx/>
+                        <a:buFontTx/>
+                        <a:buNone/>
+                        <a:tabLst/>
+                        <a:defRPr/>
+                      </a:pPr>
                       <a:r>
                         <a:rPr lang="en-US" sz="1000" dirty="0"/>
                         <a:t>SLA - No</a:t>
@@ -13698,9 +13723,10 @@
                     <a:bodyPr/>
                     <a:lstStyle/>
                     <a:p>
+                      <a:pPr algn="l"/>
                       <a:r>
                         <a:rPr lang="en-US" sz="1000" dirty="0"/>
-                        <a:t>0.351741017</a:t>
+                        <a:t>0.63694925</a:t>
                       </a:r>
                     </a:p>
                   </a:txBody>
@@ -13712,7 +13738,7 @@
                   </a:ext>
                 </a:extLst>
               </a:tr>
-              <a:tr h="294713">
+              <a:tr h="365760">
                 <a:tc>
                   <a:txBody>
                     <a:bodyPr/>
@@ -13720,7 +13746,7 @@
                     <a:p>
                       <a:r>
                         <a:rPr lang="en-US" sz="1000" dirty="0"/>
-                        <a:t>prvcy_change_note_1</a:t>
+                        <a:t>sec_breach_note_1</a:t>
                       </a:r>
                     </a:p>
                   </a:txBody>
@@ -13732,17 +13758,9 @@
                     <a:lstStyle/>
                     <a:p>
                       <a:r>
-                        <a:rPr lang="en-US" sz="1000" kern="1200" dirty="0">
-                          <a:solidFill>
-                            <a:schemeClr val="dk1"/>
-                          </a:solidFill>
-                          <a:latin typeface="+mn-lt"/>
-                          <a:ea typeface="+mn-ea"/>
-                          <a:cs typeface="+mn-cs"/>
-                        </a:rPr>
-                        <a:t>Privacy Policy Change Notice Requirement - No</a:t>
+                        <a:rPr lang="en-US" sz="1000" dirty="0"/>
+                        <a:t>No</a:t>
                       </a:r>
-                      <a:endParaRPr lang="en-US" sz="1000" dirty="0"/>
                     </a:p>
                   </a:txBody>
                   <a:tcPr/>
@@ -13752,10 +13770,10 @@
                     <a:bodyPr/>
                     <a:lstStyle/>
                     <a:p>
-                      <a:pPr algn="ctr"/>
+                      <a:pPr algn="l"/>
                       <a:r>
                         <a:rPr lang="en-US" sz="1000" dirty="0"/>
-                        <a:t>0.222757899</a:t>
+                        <a:t>-0.4317903</a:t>
                       </a:r>
                     </a:p>
                   </a:txBody>
@@ -13767,7 +13785,148 @@
                   </a:ext>
                 </a:extLst>
               </a:tr>
-              <a:tr h="294713">
+              <a:tr h="365760">
+                <a:tc>
+                  <a:txBody>
+                    <a:bodyPr/>
+                    <a:lstStyle/>
+                    <a:p>
+                      <a:r>
+                        <a:rPr lang="en-US" sz="1000" dirty="0"/>
+                        <a:t>sec_breach_note_2</a:t>
+                      </a:r>
+                    </a:p>
+                  </a:txBody>
+                  <a:tcPr/>
+                </a:tc>
+                <a:tc>
+                  <a:txBody>
+                    <a:bodyPr/>
+                    <a:lstStyle/>
+                    <a:p>
+                      <a:r>
+                        <a:rPr lang="en-US" sz="1000" dirty="0"/>
+                        <a:t>Yes - within 24 hours of discovery</a:t>
+                      </a:r>
+                    </a:p>
+                  </a:txBody>
+                  <a:tcPr/>
+                </a:tc>
+                <a:tc>
+                  <a:txBody>
+                    <a:bodyPr/>
+                    <a:lstStyle/>
+                    <a:p>
+                      <a:pPr algn="l"/>
+                      <a:r>
+                        <a:rPr lang="en-US" sz="1000" dirty="0"/>
+                        <a:t>-1.73722291</a:t>
+                      </a:r>
+                    </a:p>
+                  </a:txBody>
+                  <a:tcPr/>
+                </a:tc>
+                <a:extLst>
+                  <a:ext uri="{0D108BD9-81ED-4DB2-BD59-A6C34878D82A}">
+                    <a16:rowId xmlns:a16="http://schemas.microsoft.com/office/drawing/2014/main" val="3319036952"/>
+                  </a:ext>
+                </a:extLst>
+              </a:tr>
+              <a:tr h="365760">
+                <a:tc>
+                  <a:txBody>
+                    <a:bodyPr/>
+                    <a:lstStyle/>
+                    <a:p>
+                      <a:r>
+                        <a:rPr lang="en-US" sz="1000" dirty="0"/>
+                        <a:t>sec_breach_note_3</a:t>
+                      </a:r>
+                    </a:p>
+                  </a:txBody>
+                  <a:tcPr/>
+                </a:tc>
+                <a:tc>
+                  <a:txBody>
+                    <a:bodyPr/>
+                    <a:lstStyle/>
+                    <a:p>
+                      <a:r>
+                        <a:rPr lang="en-US" sz="1000" dirty="0"/>
+                        <a:t>Yes - between 24-48 hours after discovery</a:t>
+                      </a:r>
+                    </a:p>
+                  </a:txBody>
+                  <a:tcPr/>
+                </a:tc>
+                <a:tc>
+                  <a:txBody>
+                    <a:bodyPr/>
+                    <a:lstStyle/>
+                    <a:p>
+                      <a:pPr algn="l"/>
+                      <a:r>
+                        <a:rPr lang="en-US" sz="1000" dirty="0"/>
+                        <a:t>0.60964524</a:t>
+                      </a:r>
+                    </a:p>
+                  </a:txBody>
+                  <a:tcPr/>
+                </a:tc>
+                <a:extLst>
+                  <a:ext uri="{0D108BD9-81ED-4DB2-BD59-A6C34878D82A}">
+                    <a16:rowId xmlns:a16="http://schemas.microsoft.com/office/drawing/2014/main" val="1827689785"/>
+                  </a:ext>
+                </a:extLst>
+              </a:tr>
+              <a:tr h="365760">
+                <a:tc>
+                  <a:txBody>
+                    <a:bodyPr/>
+                    <a:lstStyle/>
+                    <a:p>
+                      <a:r>
+                        <a:rPr lang="en-US" sz="1000" dirty="0"/>
+                        <a:t>sec_breach_note_4</a:t>
+                      </a:r>
+                    </a:p>
+                  </a:txBody>
+                  <a:tcPr/>
+                </a:tc>
+                <a:tc>
+                  <a:txBody>
+                    <a:bodyPr/>
+                    <a:lstStyle/>
+                    <a:p>
+                      <a:r>
+                        <a:rPr lang="en-US" sz="1000" dirty="0"/>
+                        <a:t>Yes - greater than 48 hours after discovery</a:t>
+                      </a:r>
+                    </a:p>
+                  </a:txBody>
+                  <a:tcPr/>
+                </a:tc>
+                <a:tc>
+                  <a:txBody>
+                    <a:bodyPr/>
+                    <a:lstStyle/>
+                    <a:p>
+                      <a:pPr algn="l"/>
+                      <a:r>
+                        <a:rPr lang="en-US" sz="1000" dirty="0"/>
+                        <a:t>1.33329409</a:t>
+                      </a:r>
+                    </a:p>
+                  </a:txBody>
+                  <a:tcPr/>
+                </a:tc>
+                <a:extLst>
+                  <a:ext uri="{0D108BD9-81ED-4DB2-BD59-A6C34878D82A}">
+                    <a16:rowId xmlns:a16="http://schemas.microsoft.com/office/drawing/2014/main" val="369621868"/>
+                  </a:ext>
+                </a:extLst>
+              </a:tr>
+              <a:tr h="365760">
                 <a:tc>
                   <a:txBody>
                     <a:bodyPr/>
@@ -13799,9 +13958,10 @@
                     <a:bodyPr/>
                     <a:lstStyle/>
                     <a:p>
+                      <a:pPr algn="l"/>
                       <a:r>
                         <a:rPr lang="en-US" sz="1000" dirty="0"/>
-                        <a:t>0.373001838</a:t>
+                        <a:t>0.34575481</a:t>
                       </a:r>
                     </a:p>
                   </a:txBody>
@@ -13809,57 +13969,11 @@
                 </a:tc>
                 <a:extLst>
                   <a:ext uri="{0D108BD9-81ED-4DB2-BD59-A6C34878D82A}">
-                    <a16:rowId xmlns:a16="http://schemas.microsoft.com/office/drawing/2014/main" val="3319036952"/>
+                    <a16:rowId xmlns:a16="http://schemas.microsoft.com/office/drawing/2014/main" val="1143897199"/>
                   </a:ext>
                 </a:extLst>
               </a:tr>
-              <a:tr h="294713">
-                <a:tc>
-                  <a:txBody>
-                    <a:bodyPr/>
-                    <a:lstStyle/>
-                    <a:p>
-                      <a:r>
-                        <a:rPr lang="en-US" sz="1000" dirty="0"/>
-                        <a:t>package_3</a:t>
-                      </a:r>
-                    </a:p>
-                  </a:txBody>
-                  <a:tcPr/>
-                </a:tc>
-                <a:tc>
-                  <a:txBody>
-                    <a:bodyPr/>
-                    <a:lstStyle/>
-                    <a:p>
-                      <a:r>
-                        <a:rPr lang="en-US" sz="1000" dirty="0"/>
-                        <a:t>Plus</a:t>
-                      </a:r>
-                    </a:p>
-                  </a:txBody>
-                  <a:tcPr/>
-                </a:tc>
-                <a:tc>
-                  <a:txBody>
-                    <a:bodyPr/>
-                    <a:lstStyle/>
-                    <a:p>
-                      <a:r>
-                        <a:rPr lang="en-US" sz="1000" dirty="0"/>
-                        <a:t>-0.00644071</a:t>
-                      </a:r>
-                    </a:p>
-                  </a:txBody>
-                  <a:tcPr/>
-                </a:tc>
-                <a:extLst>
-                  <a:ext uri="{0D108BD9-81ED-4DB2-BD59-A6C34878D82A}">
-                    <a16:rowId xmlns:a16="http://schemas.microsoft.com/office/drawing/2014/main" val="1827689785"/>
-                  </a:ext>
-                </a:extLst>
-              </a:tr>
-              <a:tr h="294713">
+              <a:tr h="365760">
                 <a:tc>
                   <a:txBody>
                     <a:bodyPr/>
@@ -13891,9 +14005,10 @@
                     <a:bodyPr/>
                     <a:lstStyle/>
                     <a:p>
+                      <a:pPr algn="l"/>
                       <a:r>
                         <a:rPr lang="en-US" sz="1000" dirty="0"/>
-                        <a:t>0.470317338</a:t>
+                        <a:t>0.47580221</a:t>
                       </a:r>
                     </a:p>
                   </a:txBody>
@@ -13901,11 +14016,11 @@
                 </a:tc>
                 <a:extLst>
                   <a:ext uri="{0D108BD9-81ED-4DB2-BD59-A6C34878D82A}">
-                    <a16:rowId xmlns:a16="http://schemas.microsoft.com/office/drawing/2014/main" val="369621868"/>
+                    <a16:rowId xmlns:a16="http://schemas.microsoft.com/office/drawing/2014/main" val="926195184"/>
                   </a:ext>
                 </a:extLst>
               </a:tr>
-              <a:tr h="294713">
+              <a:tr h="365760">
                 <a:tc>
                   <a:txBody>
                     <a:bodyPr/>
@@ -13937,9 +14052,10 @@
                     <a:bodyPr/>
                     <a:lstStyle/>
                     <a:p>
+                      <a:pPr algn="l"/>
                       <a:r>
                         <a:rPr lang="en-US" sz="1000" dirty="0"/>
-                        <a:t>-1.06135595</a:t>
+                        <a:t>-1.25153624</a:t>
                       </a:r>
                     </a:p>
                   </a:txBody>
@@ -13947,11 +14063,11 @@
                 </a:tc>
                 <a:extLst>
                   <a:ext uri="{0D108BD9-81ED-4DB2-BD59-A6C34878D82A}">
-                    <a16:rowId xmlns:a16="http://schemas.microsoft.com/office/drawing/2014/main" val="1143897199"/>
+                    <a16:rowId xmlns:a16="http://schemas.microsoft.com/office/drawing/2014/main" val="4012962884"/>
                   </a:ext>
                 </a:extLst>
               </a:tr>
-              <a:tr h="294713">
+              <a:tr h="365760">
                 <a:tc>
                   <a:txBody>
                     <a:bodyPr/>
@@ -13983,9 +14099,10 @@
                     <a:bodyPr/>
                     <a:lstStyle/>
                     <a:p>
+                      <a:pPr algn="l"/>
                       <a:r>
                         <a:rPr lang="en-US" sz="1000" dirty="0"/>
-                        <a:t>-0.23848859</a:t>
+                        <a:t>-0.12035668</a:t>
                       </a:r>
                     </a:p>
                   </a:txBody>
@@ -13993,11 +14110,11 @@
                 </a:tc>
                 <a:extLst>
                   <a:ext uri="{0D108BD9-81ED-4DB2-BD59-A6C34878D82A}">
-                    <a16:rowId xmlns:a16="http://schemas.microsoft.com/office/drawing/2014/main" val="926195184"/>
+                    <a16:rowId xmlns:a16="http://schemas.microsoft.com/office/drawing/2014/main" val="3040028526"/>
                   </a:ext>
                 </a:extLst>
               </a:tr>
-              <a:tr h="294713">
+              <a:tr h="365760">
                 <a:tc>
                   <a:txBody>
                     <a:bodyPr/>
@@ -14029,9 +14146,10 @@
                     <a:bodyPr/>
                     <a:lstStyle/>
                     <a:p>
+                      <a:pPr algn="l"/>
                       <a:r>
                         <a:rPr lang="en-US" sz="1000" dirty="0"/>
-                        <a:t>0.000865018</a:t>
+                        <a:t>0.10391241</a:t>
                       </a:r>
                     </a:p>
                   </a:txBody>
@@ -14039,11 +14157,11 @@
                 </a:tc>
                 <a:extLst>
                   <a:ext uri="{0D108BD9-81ED-4DB2-BD59-A6C34878D82A}">
-                    <a16:rowId xmlns:a16="http://schemas.microsoft.com/office/drawing/2014/main" val="4012962884"/>
+                    <a16:rowId xmlns:a16="http://schemas.microsoft.com/office/drawing/2014/main" val="3112519856"/>
                   </a:ext>
                 </a:extLst>
               </a:tr>
-              <a:tr h="294713">
+              <a:tr h="365760">
                 <a:tc>
                   <a:txBody>
                     <a:bodyPr/>
@@ -14063,7 +14181,7 @@
                     <a:bodyPr/>
                     <a:lstStyle/>
                     <a:p>
-                      <a:endParaRPr lang="en-US" sz="1000" dirty="0"/>
+                      <a:endParaRPr lang="en-US" dirty="0"/>
                     </a:p>
                   </a:txBody>
                   <a:tcPr/>
@@ -14073,9 +14191,10 @@
                     <a:bodyPr/>
                     <a:lstStyle/>
                     <a:p>
+                      <a:pPr algn="l"/>
                       <a:r>
                         <a:rPr lang="en-US" sz="1000" dirty="0"/>
-                        <a:t>-6.23430728</a:t>
+                        <a:t>-5.63414579</a:t>
                       </a:r>
                     </a:p>
                   </a:txBody>
@@ -14083,51 +14202,7 @@
                 </a:tc>
                 <a:extLst>
                   <a:ext uri="{0D108BD9-81ED-4DB2-BD59-A6C34878D82A}">
-                    <a16:rowId xmlns:a16="http://schemas.microsoft.com/office/drawing/2014/main" val="3040028526"/>
-                  </a:ext>
-                </a:extLst>
-              </a:tr>
-              <a:tr h="294713">
-                <a:tc>
-                  <a:txBody>
-                    <a:bodyPr/>
-                    <a:lstStyle/>
-                    <a:p>
-                      <a:r>
-                        <a:rPr lang="en-US" sz="1000" dirty="0" err="1"/>
-                        <a:t>employees_trans</a:t>
-                      </a:r>
-                      <a:endParaRPr lang="en-US" sz="1000" dirty="0"/>
-                    </a:p>
-                  </a:txBody>
-                  <a:tcPr/>
-                </a:tc>
-                <a:tc>
-                  <a:txBody>
-                    <a:bodyPr/>
-                    <a:lstStyle/>
-                    <a:p>
-                      <a:endParaRPr lang="en-US" sz="1000" dirty="0"/>
-                    </a:p>
-                  </a:txBody>
-                  <a:tcPr/>
-                </a:tc>
-                <a:tc>
-                  <a:txBody>
-                    <a:bodyPr/>
-                    <a:lstStyle/>
-                    <a:p>
-                      <a:r>
-                        <a:rPr lang="en-US" sz="1000" dirty="0"/>
-                        <a:t>0.521937655</a:t>
-                      </a:r>
-                    </a:p>
-                  </a:txBody>
-                  <a:tcPr/>
-                </a:tc>
-                <a:extLst>
-                  <a:ext uri="{0D108BD9-81ED-4DB2-BD59-A6C34878D82A}">
-                    <a16:rowId xmlns:a16="http://schemas.microsoft.com/office/drawing/2014/main" val="3112519856"/>
+                    <a16:rowId xmlns:a16="http://schemas.microsoft.com/office/drawing/2014/main" val="2869713653"/>
                   </a:ext>
                 </a:extLst>
               </a:tr>
@@ -14179,7 +14254,7 @@
         </p:nvSpPr>
         <p:spPr>
           <a:xfrm>
-            <a:off x="4909459" y="757943"/>
+            <a:off x="5078793" y="612844"/>
             <a:ext cx="5508171" cy="5632311"/>
           </a:xfrm>
           <a:prstGeom prst="rect">
@@ -14195,7 +14270,7 @@
           <a:p>
             <a:r>
               <a:rPr lang="en-US" sz="2000" dirty="0"/>
-              <a:t>Although the table contains 14 rows, the estimates are from a model that contains 8 </a:t>
+              <a:t>Although the table contains 15 rows, the estimates are from a model that contains 7 </a:t>
             </a:r>
             <a:r>
               <a:rPr lang="en-US" sz="2000" i="1" dirty="0"/>
@@ -14212,17 +14287,17 @@
           <a:p>
             <a:r>
               <a:rPr lang="en-US" sz="2000" dirty="0"/>
-              <a:t>Now look at the estimate for auto_renewal_2. It is 0.76. As this is a positive number, we say that its sign is positive. The interpretation is that all else being equal, customers choose 30 day notice auto-renewal are more likely to have churned.</a:t>
+              <a:t>Now look at the estimate for termination_rights_2. It is 0.76. As this is a positive number, we say that its sign is positive. The interpretation is that all else being equal, customers choose 30 day notice auto-renewal are more likely to have churned.</a:t>
             </a:r>
           </a:p>
         </p:txBody>
       </p:sp>
       <p:graphicFrame>
         <p:nvGraphicFramePr>
-          <p:cNvPr id="5" name="Table 4">
+          <p:cNvPr id="4" name="Table 3">
             <a:extLst>
               <a:ext uri="{FF2B5EF4-FFF2-40B4-BE49-F238E27FC236}">
-                <a16:creationId xmlns:a16="http://schemas.microsoft.com/office/drawing/2014/main" id="{F4BB7661-9C3E-C646-8263-120B4FD494B2}"/>
+                <a16:creationId xmlns:a16="http://schemas.microsoft.com/office/drawing/2014/main" id="{4060163B-9749-B843-8CA8-95659FEF4383}"/>
               </a:ext>
             </a:extLst>
           </p:cNvPr>
@@ -14232,14 +14307,14 @@
           <p:nvPr>
             <p:extLst>
               <p:ext uri="{D42A27DB-BD31-4B8C-83A1-F6EECF244321}">
-                <p14:modId xmlns:p14="http://schemas.microsoft.com/office/powerpoint/2010/main" val="937447991"/>
+                <p14:modId xmlns:p14="http://schemas.microsoft.com/office/powerpoint/2010/main" val="2051006758"/>
               </p:ext>
             </p:extLst>
           </p:nvPr>
         </p:nvGraphicFramePr>
         <p:xfrm>
-          <a:off x="216545" y="1011742"/>
-          <a:ext cx="4538814" cy="4816935"/>
+          <a:off x="250410" y="274320"/>
+          <a:ext cx="4538814" cy="6309360"/>
         </p:xfrm>
         <a:graphic>
           <a:graphicData uri="http://schemas.openxmlformats.org/drawingml/2006/table">
@@ -14270,7 +14345,7 @@
                   </a:extLst>
                 </a:gridCol>
               </a:tblGrid>
-              <a:tr h="294713">
+              <a:tr h="365760">
                 <a:tc>
                   <a:txBody>
                     <a:bodyPr/>
@@ -14302,6 +14377,7 @@
                     <a:bodyPr/>
                     <a:lstStyle/>
                     <a:p>
+                      <a:pPr algn="l"/>
                       <a:r>
                         <a:rPr lang="en-US" sz="1000" dirty="0"/>
                         <a:t>Estimate</a:t>
@@ -14316,7 +14392,7 @@
                   </a:ext>
                 </a:extLst>
               </a:tr>
-              <a:tr h="294713">
+              <a:tr h="365760">
                 <a:tc>
                   <a:txBody>
                     <a:bodyPr/>
@@ -14345,9 +14421,10 @@
                     <a:bodyPr/>
                     <a:lstStyle/>
                     <a:p>
+                      <a:pPr algn="l"/>
                       <a:r>
                         <a:rPr lang="en-US" sz="1000" dirty="0"/>
-                        <a:t>-0.93978167</a:t>
+                        <a:t>-0.22679842</a:t>
                       </a:r>
                     </a:p>
                   </a:txBody>
@@ -14359,7 +14436,7 @@
                   </a:ext>
                 </a:extLst>
               </a:tr>
-              <a:tr h="294713">
+              <a:tr h="365760">
                 <a:tc>
                   <a:txBody>
                     <a:bodyPr/>
@@ -14367,7 +14444,7 @@
                     <a:p>
                       <a:r>
                         <a:rPr lang="en-US" sz="1000" dirty="0"/>
-                        <a:t>auto_renewal_2</a:t>
+                        <a:t>termination_rights_2</a:t>
                       </a:r>
                     </a:p>
                   </a:txBody>
@@ -14397,7 +14474,7 @@
                       </a:pPr>
                       <a:r>
                         <a:rPr lang="en-US" sz="1000" dirty="0"/>
-                        <a:t>Yes - 30-day notice</a:t>
+                        <a:t>Yes - less than 90-day notice</a:t>
                       </a:r>
                     </a:p>
                   </a:txBody>
@@ -14408,9 +14485,10 @@
                     <a:bodyPr/>
                     <a:lstStyle/>
                     <a:p>
+                      <a:pPr algn="l"/>
                       <a:r>
                         <a:rPr lang="en-US" sz="1000" dirty="0"/>
-                        <a:t>0.755138615</a:t>
+                        <a:t>0.39039065</a:t>
                       </a:r>
                     </a:p>
                   </a:txBody>
@@ -14422,7 +14500,7 @@
                   </a:ext>
                 </a:extLst>
               </a:tr>
-              <a:tr h="294713">
+              <a:tr h="365760">
                 <a:tc>
                   <a:txBody>
                     <a:bodyPr/>
@@ -14454,9 +14532,10 @@
                     <a:bodyPr/>
                     <a:lstStyle/>
                     <a:p>
+                      <a:pPr algn="l"/>
                       <a:r>
                         <a:rPr lang="en-US" sz="1000" dirty="0"/>
-                        <a:t>-0.40240528</a:t>
+                        <a:t>-0.32973426</a:t>
                       </a:r>
                     </a:p>
                   </a:txBody>
@@ -14468,7 +14547,7 @@
                   </a:ext>
                 </a:extLst>
               </a:tr>
-              <a:tr h="294713">
+              <a:tr h="365760">
                 <a:tc>
                   <a:txBody>
                     <a:bodyPr/>
@@ -14500,9 +14579,10 @@
                     <a:bodyPr/>
                     <a:lstStyle/>
                     <a:p>
+                      <a:pPr algn="l"/>
                       <a:r>
                         <a:rPr lang="en-US" sz="1000" dirty="0"/>
-                        <a:t>-0.41405036</a:t>
+                        <a:t>-0.05593888</a:t>
                       </a:r>
                     </a:p>
                   </a:txBody>
@@ -14514,7 +14594,7 @@
                   </a:ext>
                 </a:extLst>
               </a:tr>
-              <a:tr h="294713">
+              <a:tr h="365760">
                 <a:tc>
                   <a:txBody>
                     <a:bodyPr/>
@@ -14546,9 +14626,10 @@
                     <a:bodyPr/>
                     <a:lstStyle/>
                     <a:p>
+                      <a:pPr algn="l"/>
                       <a:r>
                         <a:rPr lang="en-US" sz="1000" dirty="0"/>
-                        <a:t>1.03924123</a:t>
+                        <a:t>1.40385712</a:t>
                       </a:r>
                     </a:p>
                   </a:txBody>
@@ -14560,7 +14641,7 @@
                   </a:ext>
                 </a:extLst>
               </a:tr>
-              <a:tr h="294713">
+              <a:tr h="365760">
                 <a:tc>
                   <a:txBody>
                     <a:bodyPr/>
@@ -14579,6 +14660,23 @@
                     <a:bodyPr/>
                     <a:lstStyle/>
                     <a:p>
+                      <a:pPr marL="0" marR="0" lvl="0" indent="0" algn="l" defTabSz="457200" rtl="0" eaLnBrk="1" fontAlgn="auto" latinLnBrk="0" hangingPunct="1">
+                        <a:lnSpc>
+                          <a:spcPct val="100000"/>
+                        </a:lnSpc>
+                        <a:spcBef>
+                          <a:spcPts val="0"/>
+                        </a:spcBef>
+                        <a:spcAft>
+                          <a:spcPts val="0"/>
+                        </a:spcAft>
+                        <a:buClrTx/>
+                        <a:buSzTx/>
+                        <a:buFontTx/>
+                        <a:buNone/>
+                        <a:tabLst/>
+                        <a:defRPr/>
+                      </a:pPr>
                       <a:r>
                         <a:rPr lang="en-US" sz="1000" dirty="0"/>
                         <a:t>SLA - No</a:t>
@@ -14592,9 +14690,10 @@
                     <a:bodyPr/>
                     <a:lstStyle/>
                     <a:p>
+                      <a:pPr algn="l"/>
                       <a:r>
                         <a:rPr lang="en-US" sz="1000" dirty="0"/>
-                        <a:t>0.351741017</a:t>
+                        <a:t>0.63694925</a:t>
                       </a:r>
                     </a:p>
                   </a:txBody>
@@ -14606,7 +14705,7 @@
                   </a:ext>
                 </a:extLst>
               </a:tr>
-              <a:tr h="294713">
+              <a:tr h="365760">
                 <a:tc>
                   <a:txBody>
                     <a:bodyPr/>
@@ -14614,7 +14713,7 @@
                     <a:p>
                       <a:r>
                         <a:rPr lang="en-US" sz="1000" dirty="0"/>
-                        <a:t>prvcy_change_note_1</a:t>
+                        <a:t>sec_breach_note_1</a:t>
                       </a:r>
                     </a:p>
                   </a:txBody>
@@ -14626,17 +14725,9 @@
                     <a:lstStyle/>
                     <a:p>
                       <a:r>
-                        <a:rPr lang="en-US" sz="1000" kern="1200" dirty="0">
-                          <a:solidFill>
-                            <a:schemeClr val="dk1"/>
-                          </a:solidFill>
-                          <a:latin typeface="+mn-lt"/>
-                          <a:ea typeface="+mn-ea"/>
-                          <a:cs typeface="+mn-cs"/>
-                        </a:rPr>
-                        <a:t>Privacy Policy Change Notice Requirement - No</a:t>
+                        <a:rPr lang="en-US" sz="1000" dirty="0"/>
+                        <a:t>No</a:t>
                       </a:r>
-                      <a:endParaRPr lang="en-US" sz="1000" dirty="0"/>
                     </a:p>
                   </a:txBody>
                   <a:tcPr/>
@@ -14646,10 +14737,10 @@
                     <a:bodyPr/>
                     <a:lstStyle/>
                     <a:p>
-                      <a:pPr algn="ctr"/>
+                      <a:pPr algn="l"/>
                       <a:r>
                         <a:rPr lang="en-US" sz="1000" dirty="0"/>
-                        <a:t>0.222757899</a:t>
+                        <a:t>-0.4317903</a:t>
                       </a:r>
                     </a:p>
                   </a:txBody>
@@ -14661,7 +14752,148 @@
                   </a:ext>
                 </a:extLst>
               </a:tr>
-              <a:tr h="294713">
+              <a:tr h="365760">
+                <a:tc>
+                  <a:txBody>
+                    <a:bodyPr/>
+                    <a:lstStyle/>
+                    <a:p>
+                      <a:r>
+                        <a:rPr lang="en-US" sz="1000" dirty="0"/>
+                        <a:t>sec_breach_note_2</a:t>
+                      </a:r>
+                    </a:p>
+                  </a:txBody>
+                  <a:tcPr/>
+                </a:tc>
+                <a:tc>
+                  <a:txBody>
+                    <a:bodyPr/>
+                    <a:lstStyle/>
+                    <a:p>
+                      <a:r>
+                        <a:rPr lang="en-US" sz="1000" dirty="0"/>
+                        <a:t>Yes - within 24 hours of discovery</a:t>
+                      </a:r>
+                    </a:p>
+                  </a:txBody>
+                  <a:tcPr/>
+                </a:tc>
+                <a:tc>
+                  <a:txBody>
+                    <a:bodyPr/>
+                    <a:lstStyle/>
+                    <a:p>
+                      <a:pPr algn="l"/>
+                      <a:r>
+                        <a:rPr lang="en-US" sz="1000" dirty="0"/>
+                        <a:t>-1.73722291</a:t>
+                      </a:r>
+                    </a:p>
+                  </a:txBody>
+                  <a:tcPr/>
+                </a:tc>
+                <a:extLst>
+                  <a:ext uri="{0D108BD9-81ED-4DB2-BD59-A6C34878D82A}">
+                    <a16:rowId xmlns:a16="http://schemas.microsoft.com/office/drawing/2014/main" val="3319036952"/>
+                  </a:ext>
+                </a:extLst>
+              </a:tr>
+              <a:tr h="365760">
+                <a:tc>
+                  <a:txBody>
+                    <a:bodyPr/>
+                    <a:lstStyle/>
+                    <a:p>
+                      <a:r>
+                        <a:rPr lang="en-US" sz="1000" dirty="0"/>
+                        <a:t>sec_breach_note_3</a:t>
+                      </a:r>
+                    </a:p>
+                  </a:txBody>
+                  <a:tcPr/>
+                </a:tc>
+                <a:tc>
+                  <a:txBody>
+                    <a:bodyPr/>
+                    <a:lstStyle/>
+                    <a:p>
+                      <a:r>
+                        <a:rPr lang="en-US" sz="1000" dirty="0"/>
+                        <a:t>Yes - between 24-48 hours after discovery</a:t>
+                      </a:r>
+                    </a:p>
+                  </a:txBody>
+                  <a:tcPr/>
+                </a:tc>
+                <a:tc>
+                  <a:txBody>
+                    <a:bodyPr/>
+                    <a:lstStyle/>
+                    <a:p>
+                      <a:pPr algn="l"/>
+                      <a:r>
+                        <a:rPr lang="en-US" sz="1000" dirty="0"/>
+                        <a:t>0.60964524</a:t>
+                      </a:r>
+                    </a:p>
+                  </a:txBody>
+                  <a:tcPr/>
+                </a:tc>
+                <a:extLst>
+                  <a:ext uri="{0D108BD9-81ED-4DB2-BD59-A6C34878D82A}">
+                    <a16:rowId xmlns:a16="http://schemas.microsoft.com/office/drawing/2014/main" val="1827689785"/>
+                  </a:ext>
+                </a:extLst>
+              </a:tr>
+              <a:tr h="365760">
+                <a:tc>
+                  <a:txBody>
+                    <a:bodyPr/>
+                    <a:lstStyle/>
+                    <a:p>
+                      <a:r>
+                        <a:rPr lang="en-US" sz="1000" dirty="0"/>
+                        <a:t>sec_breach_note_4</a:t>
+                      </a:r>
+                    </a:p>
+                  </a:txBody>
+                  <a:tcPr/>
+                </a:tc>
+                <a:tc>
+                  <a:txBody>
+                    <a:bodyPr/>
+                    <a:lstStyle/>
+                    <a:p>
+                      <a:r>
+                        <a:rPr lang="en-US" sz="1000" dirty="0"/>
+                        <a:t>Yes - greater than 48 hours after discovery</a:t>
+                      </a:r>
+                    </a:p>
+                  </a:txBody>
+                  <a:tcPr/>
+                </a:tc>
+                <a:tc>
+                  <a:txBody>
+                    <a:bodyPr/>
+                    <a:lstStyle/>
+                    <a:p>
+                      <a:pPr algn="l"/>
+                      <a:r>
+                        <a:rPr lang="en-US" sz="1000" dirty="0"/>
+                        <a:t>1.33329409</a:t>
+                      </a:r>
+                    </a:p>
+                  </a:txBody>
+                  <a:tcPr/>
+                </a:tc>
+                <a:extLst>
+                  <a:ext uri="{0D108BD9-81ED-4DB2-BD59-A6C34878D82A}">
+                    <a16:rowId xmlns:a16="http://schemas.microsoft.com/office/drawing/2014/main" val="369621868"/>
+                  </a:ext>
+                </a:extLst>
+              </a:tr>
+              <a:tr h="365760">
                 <a:tc>
                   <a:txBody>
                     <a:bodyPr/>
@@ -14693,9 +14925,10 @@
                     <a:bodyPr/>
                     <a:lstStyle/>
                     <a:p>
+                      <a:pPr algn="l"/>
                       <a:r>
                         <a:rPr lang="en-US" sz="1000" dirty="0"/>
-                        <a:t>0.373001838</a:t>
+                        <a:t>0.34575481</a:t>
                       </a:r>
                     </a:p>
                   </a:txBody>
@@ -14703,57 +14936,11 @@
                 </a:tc>
                 <a:extLst>
                   <a:ext uri="{0D108BD9-81ED-4DB2-BD59-A6C34878D82A}">
-                    <a16:rowId xmlns:a16="http://schemas.microsoft.com/office/drawing/2014/main" val="3319036952"/>
+                    <a16:rowId xmlns:a16="http://schemas.microsoft.com/office/drawing/2014/main" val="1143897199"/>
                   </a:ext>
                 </a:extLst>
               </a:tr>
-              <a:tr h="294713">
-                <a:tc>
-                  <a:txBody>
-                    <a:bodyPr/>
-                    <a:lstStyle/>
-                    <a:p>
-                      <a:r>
-                        <a:rPr lang="en-US" sz="1000" dirty="0"/>
-                        <a:t>package_3</a:t>
-                      </a:r>
-                    </a:p>
-                  </a:txBody>
-                  <a:tcPr/>
-                </a:tc>
-                <a:tc>
-                  <a:txBody>
-                    <a:bodyPr/>
-                    <a:lstStyle/>
-                    <a:p>
-                      <a:r>
-                        <a:rPr lang="en-US" sz="1000" dirty="0"/>
-                        <a:t>Plus</a:t>
-                      </a:r>
-                    </a:p>
-                  </a:txBody>
-                  <a:tcPr/>
-                </a:tc>
-                <a:tc>
-                  <a:txBody>
-                    <a:bodyPr/>
-                    <a:lstStyle/>
-                    <a:p>
-                      <a:r>
-                        <a:rPr lang="en-US" sz="1000" dirty="0"/>
-                        <a:t>-0.00644071</a:t>
-                      </a:r>
-                    </a:p>
-                  </a:txBody>
-                  <a:tcPr/>
-                </a:tc>
-                <a:extLst>
-                  <a:ext uri="{0D108BD9-81ED-4DB2-BD59-A6C34878D82A}">
-                    <a16:rowId xmlns:a16="http://schemas.microsoft.com/office/drawing/2014/main" val="1827689785"/>
-                  </a:ext>
-                </a:extLst>
-              </a:tr>
-              <a:tr h="294713">
+              <a:tr h="365760">
                 <a:tc>
                   <a:txBody>
                     <a:bodyPr/>
@@ -14785,9 +14972,10 @@
                     <a:bodyPr/>
                     <a:lstStyle/>
                     <a:p>
+                      <a:pPr algn="l"/>
                       <a:r>
                         <a:rPr lang="en-US" sz="1000" dirty="0"/>
-                        <a:t>0.470317338</a:t>
+                        <a:t>0.47580221</a:t>
                       </a:r>
                     </a:p>
                   </a:txBody>
@@ -14795,11 +14983,11 @@
                 </a:tc>
                 <a:extLst>
                   <a:ext uri="{0D108BD9-81ED-4DB2-BD59-A6C34878D82A}">
-                    <a16:rowId xmlns:a16="http://schemas.microsoft.com/office/drawing/2014/main" val="369621868"/>
+                    <a16:rowId xmlns:a16="http://schemas.microsoft.com/office/drawing/2014/main" val="926195184"/>
                   </a:ext>
                 </a:extLst>
               </a:tr>
-              <a:tr h="294713">
+              <a:tr h="365760">
                 <a:tc>
                   <a:txBody>
                     <a:bodyPr/>
@@ -14831,9 +15019,10 @@
                     <a:bodyPr/>
                     <a:lstStyle/>
                     <a:p>
+                      <a:pPr algn="l"/>
                       <a:r>
                         <a:rPr lang="en-US" sz="1000" dirty="0"/>
-                        <a:t>-1.06135595</a:t>
+                        <a:t>-1.25153624</a:t>
                       </a:r>
                     </a:p>
                   </a:txBody>
@@ -14841,11 +15030,11 @@
                 </a:tc>
                 <a:extLst>
                   <a:ext uri="{0D108BD9-81ED-4DB2-BD59-A6C34878D82A}">
-                    <a16:rowId xmlns:a16="http://schemas.microsoft.com/office/drawing/2014/main" val="1143897199"/>
+                    <a16:rowId xmlns:a16="http://schemas.microsoft.com/office/drawing/2014/main" val="4012962884"/>
                   </a:ext>
                 </a:extLst>
               </a:tr>
-              <a:tr h="294713">
+              <a:tr h="365760">
                 <a:tc>
                   <a:txBody>
                     <a:bodyPr/>
@@ -14877,9 +15066,10 @@
                     <a:bodyPr/>
                     <a:lstStyle/>
                     <a:p>
+                      <a:pPr algn="l"/>
                       <a:r>
                         <a:rPr lang="en-US" sz="1000" dirty="0"/>
-                        <a:t>-0.23848859</a:t>
+                        <a:t>-0.12035668</a:t>
                       </a:r>
                     </a:p>
                   </a:txBody>
@@ -14887,11 +15077,11 @@
                 </a:tc>
                 <a:extLst>
                   <a:ext uri="{0D108BD9-81ED-4DB2-BD59-A6C34878D82A}">
-                    <a16:rowId xmlns:a16="http://schemas.microsoft.com/office/drawing/2014/main" val="926195184"/>
+                    <a16:rowId xmlns:a16="http://schemas.microsoft.com/office/drawing/2014/main" val="3040028526"/>
                   </a:ext>
                 </a:extLst>
               </a:tr>
-              <a:tr h="294713">
+              <a:tr h="365760">
                 <a:tc>
                   <a:txBody>
                     <a:bodyPr/>
@@ -14923,9 +15113,10 @@
                     <a:bodyPr/>
                     <a:lstStyle/>
                     <a:p>
+                      <a:pPr algn="l"/>
                       <a:r>
                         <a:rPr lang="en-US" sz="1000" dirty="0"/>
-                        <a:t>0.000865018</a:t>
+                        <a:t>0.10391241</a:t>
                       </a:r>
                     </a:p>
                   </a:txBody>
@@ -14933,11 +15124,11 @@
                 </a:tc>
                 <a:extLst>
                   <a:ext uri="{0D108BD9-81ED-4DB2-BD59-A6C34878D82A}">
-                    <a16:rowId xmlns:a16="http://schemas.microsoft.com/office/drawing/2014/main" val="4012962884"/>
+                    <a16:rowId xmlns:a16="http://schemas.microsoft.com/office/drawing/2014/main" val="3112519856"/>
                   </a:ext>
                 </a:extLst>
               </a:tr>
-              <a:tr h="294713">
+              <a:tr h="365760">
                 <a:tc>
                   <a:txBody>
                     <a:bodyPr/>
@@ -14957,7 +15148,7 @@
                     <a:bodyPr/>
                     <a:lstStyle/>
                     <a:p>
-                      <a:endParaRPr lang="en-US" sz="1000" dirty="0"/>
+                      <a:endParaRPr lang="en-US" dirty="0"/>
                     </a:p>
                   </a:txBody>
                   <a:tcPr/>
@@ -14967,9 +15158,10 @@
                     <a:bodyPr/>
                     <a:lstStyle/>
                     <a:p>
+                      <a:pPr algn="l"/>
                       <a:r>
                         <a:rPr lang="en-US" sz="1000" dirty="0"/>
-                        <a:t>-6.23430728</a:t>
+                        <a:t>-5.63414579</a:t>
                       </a:r>
                     </a:p>
                   </a:txBody>
@@ -14977,51 +15169,7 @@
                 </a:tc>
                 <a:extLst>
                   <a:ext uri="{0D108BD9-81ED-4DB2-BD59-A6C34878D82A}">
-                    <a16:rowId xmlns:a16="http://schemas.microsoft.com/office/drawing/2014/main" val="3040028526"/>
-                  </a:ext>
-                </a:extLst>
-              </a:tr>
-              <a:tr h="294713">
-                <a:tc>
-                  <a:txBody>
-                    <a:bodyPr/>
-                    <a:lstStyle/>
-                    <a:p>
-                      <a:r>
-                        <a:rPr lang="en-US" sz="1000" dirty="0" err="1"/>
-                        <a:t>employees_trans</a:t>
-                      </a:r>
-                      <a:endParaRPr lang="en-US" sz="1000" dirty="0"/>
-                    </a:p>
-                  </a:txBody>
-                  <a:tcPr/>
-                </a:tc>
-                <a:tc>
-                  <a:txBody>
-                    <a:bodyPr/>
-                    <a:lstStyle/>
-                    <a:p>
-                      <a:endParaRPr lang="en-US" sz="1000" dirty="0"/>
-                    </a:p>
-                  </a:txBody>
-                  <a:tcPr/>
-                </a:tc>
-                <a:tc>
-                  <a:txBody>
-                    <a:bodyPr/>
-                    <a:lstStyle/>
-                    <a:p>
-                      <a:r>
-                        <a:rPr lang="en-US" sz="1000" dirty="0"/>
-                        <a:t>0.521937655</a:t>
-                      </a:r>
-                    </a:p>
-                  </a:txBody>
-                  <a:tcPr/>
-                </a:tc>
-                <a:extLst>
-                  <a:ext uri="{0D108BD9-81ED-4DB2-BD59-A6C34878D82A}">
-                    <a16:rowId xmlns:a16="http://schemas.microsoft.com/office/drawing/2014/main" val="3112519856"/>
+                    <a16:rowId xmlns:a16="http://schemas.microsoft.com/office/drawing/2014/main" val="2869713653"/>
                   </a:ext>
                 </a:extLst>
               </a:tr>
@@ -15073,8 +15221,8 @@
         </p:nvSpPr>
         <p:spPr>
           <a:xfrm>
-            <a:off x="4954615" y="1025062"/>
-            <a:ext cx="5508171" cy="5016758"/>
+            <a:off x="5078792" y="920621"/>
+            <a:ext cx="5508171" cy="4708981"/>
           </a:xfrm>
           <a:prstGeom prst="rect">
             <a:avLst/>
@@ -15097,7 +15245,7 @@
             </a:r>
             <a:r>
               <a:rPr lang="en-US" sz="2000" dirty="0"/>
-              <a:t> coefficients tell us that customers have higher renewal ARR are more likely to have churned.</a:t>
+              <a:t> coefficients tell us that customers have higher renewal ARR are less likely to have churned.</a:t>
             </a:r>
           </a:p>
           <a:p>
@@ -15106,7 +15254,7 @@
           <a:p>
             <a:r>
               <a:rPr lang="en-US" sz="2000" dirty="0"/>
-              <a:t>Customers who subscribe to Enterprise and Professional package are more likely to churn whereas those who subscribe to Plus and Ultimate are less likely to have churned.</a:t>
+              <a:t>Customers who subscribe to Enterprise and Professional package are more likely to churn whereas those who subscribe to Ultimate are less likely to have churned.</a:t>
             </a:r>
           </a:p>
           <a:p>
@@ -15123,7 +15271,7 @@
             </a:r>
             <a:r>
               <a:rPr lang="en-US" sz="2000" dirty="0"/>
-              <a:t> of having a customer subscribing to Ultimate versus Plus (1.06 – 0.006 = 1.05) is about twice as big in terms of leading to churn as is the effect of number of employees(0.52).</a:t>
+              <a:t> of having a customer subscribing to Ultimate versus Enterprise (1.25 – 0.34 = 0.91) is about twice as big in terms of leading to churn as is the effect of subscribing to Professional(0.47).</a:t>
             </a:r>
           </a:p>
           <a:p>
@@ -15133,10 +15281,10 @@
       </p:sp>
       <p:graphicFrame>
         <p:nvGraphicFramePr>
-          <p:cNvPr id="4" name="Table 3">
+          <p:cNvPr id="5" name="Table 4">
             <a:extLst>
               <a:ext uri="{FF2B5EF4-FFF2-40B4-BE49-F238E27FC236}">
-                <a16:creationId xmlns:a16="http://schemas.microsoft.com/office/drawing/2014/main" id="{A3F98984-C7F5-D746-B27B-5D89CDA6C94E}"/>
+                <a16:creationId xmlns:a16="http://schemas.microsoft.com/office/drawing/2014/main" id="{36192884-9E42-BC43-AD9A-1E597527D1E0}"/>
               </a:ext>
             </a:extLst>
           </p:cNvPr>
@@ -15146,14 +15294,14 @@
           <p:nvPr>
             <p:extLst>
               <p:ext uri="{D42A27DB-BD31-4B8C-83A1-F6EECF244321}">
-                <p14:modId xmlns:p14="http://schemas.microsoft.com/office/powerpoint/2010/main" val="61318245"/>
+                <p14:modId xmlns:p14="http://schemas.microsoft.com/office/powerpoint/2010/main" val="4079602976"/>
               </p:ext>
             </p:extLst>
           </p:nvPr>
         </p:nvGraphicFramePr>
         <p:xfrm>
-          <a:off x="239123" y="1020531"/>
-          <a:ext cx="4538814" cy="4816935"/>
+          <a:off x="250410" y="274320"/>
+          <a:ext cx="4538814" cy="6309360"/>
         </p:xfrm>
         <a:graphic>
           <a:graphicData uri="http://schemas.openxmlformats.org/drawingml/2006/table">
@@ -15184,7 +15332,7 @@
                   </a:extLst>
                 </a:gridCol>
               </a:tblGrid>
-              <a:tr h="294713">
+              <a:tr h="365760">
                 <a:tc>
                   <a:txBody>
                     <a:bodyPr/>
@@ -15216,6 +15364,7 @@
                     <a:bodyPr/>
                     <a:lstStyle/>
                     <a:p>
+                      <a:pPr algn="l"/>
                       <a:r>
                         <a:rPr lang="en-US" sz="1000" dirty="0"/>
                         <a:t>Estimate</a:t>
@@ -15230,7 +15379,7 @@
                   </a:ext>
                 </a:extLst>
               </a:tr>
-              <a:tr h="294713">
+              <a:tr h="365760">
                 <a:tc>
                   <a:txBody>
                     <a:bodyPr/>
@@ -15259,9 +15408,10 @@
                     <a:bodyPr/>
                     <a:lstStyle/>
                     <a:p>
+                      <a:pPr algn="l"/>
                       <a:r>
                         <a:rPr lang="en-US" sz="1000" dirty="0"/>
-                        <a:t>-0.93978167</a:t>
+                        <a:t>-0.22679842</a:t>
                       </a:r>
                     </a:p>
                   </a:txBody>
@@ -15273,7 +15423,7 @@
                   </a:ext>
                 </a:extLst>
               </a:tr>
-              <a:tr h="294713">
+              <a:tr h="365760">
                 <a:tc>
                   <a:txBody>
                     <a:bodyPr/>
@@ -15281,7 +15431,7 @@
                     <a:p>
                       <a:r>
                         <a:rPr lang="en-US" sz="1000" dirty="0"/>
-                        <a:t>auto_renewal_2</a:t>
+                        <a:t>termination_rights_2</a:t>
                       </a:r>
                     </a:p>
                   </a:txBody>
@@ -15311,7 +15461,7 @@
                       </a:pPr>
                       <a:r>
                         <a:rPr lang="en-US" sz="1000" dirty="0"/>
-                        <a:t>Yes - 30-day notice</a:t>
+                        <a:t>Yes - less than 90-day notice</a:t>
                       </a:r>
                     </a:p>
                   </a:txBody>
@@ -15322,9 +15472,10 @@
                     <a:bodyPr/>
                     <a:lstStyle/>
                     <a:p>
+                      <a:pPr algn="l"/>
                       <a:r>
                         <a:rPr lang="en-US" sz="1000" dirty="0"/>
-                        <a:t>0.755138615</a:t>
+                        <a:t>0.39039065</a:t>
                       </a:r>
                     </a:p>
                   </a:txBody>
@@ -15336,7 +15487,7 @@
                   </a:ext>
                 </a:extLst>
               </a:tr>
-              <a:tr h="294713">
+              <a:tr h="365760">
                 <a:tc>
                   <a:txBody>
                     <a:bodyPr/>
@@ -15368,9 +15519,10 @@
                     <a:bodyPr/>
                     <a:lstStyle/>
                     <a:p>
+                      <a:pPr algn="l"/>
                       <a:r>
                         <a:rPr lang="en-US" sz="1000" dirty="0"/>
-                        <a:t>-0.40240528</a:t>
+                        <a:t>-0.32973426</a:t>
                       </a:r>
                     </a:p>
                   </a:txBody>
@@ -15382,7 +15534,7 @@
                   </a:ext>
                 </a:extLst>
               </a:tr>
-              <a:tr h="294713">
+              <a:tr h="365760">
                 <a:tc>
                   <a:txBody>
                     <a:bodyPr/>
@@ -15414,9 +15566,10 @@
                     <a:bodyPr/>
                     <a:lstStyle/>
                     <a:p>
+                      <a:pPr algn="l"/>
                       <a:r>
                         <a:rPr lang="en-US" sz="1000" dirty="0"/>
-                        <a:t>-0.41405036</a:t>
+                        <a:t>-0.05593888</a:t>
                       </a:r>
                     </a:p>
                   </a:txBody>
@@ -15428,7 +15581,7 @@
                   </a:ext>
                 </a:extLst>
               </a:tr>
-              <a:tr h="294713">
+              <a:tr h="365760">
                 <a:tc>
                   <a:txBody>
                     <a:bodyPr/>
@@ -15460,9 +15613,10 @@
                     <a:bodyPr/>
                     <a:lstStyle/>
                     <a:p>
+                      <a:pPr algn="l"/>
                       <a:r>
                         <a:rPr lang="en-US" sz="1000" dirty="0"/>
-                        <a:t>1.03924123</a:t>
+                        <a:t>1.40385712</a:t>
                       </a:r>
                     </a:p>
                   </a:txBody>
@@ -15474,7 +15628,7 @@
                   </a:ext>
                 </a:extLst>
               </a:tr>
-              <a:tr h="294713">
+              <a:tr h="365760">
                 <a:tc>
                   <a:txBody>
                     <a:bodyPr/>
@@ -15493,6 +15647,23 @@
                     <a:bodyPr/>
                     <a:lstStyle/>
                     <a:p>
+                      <a:pPr marL="0" marR="0" lvl="0" indent="0" algn="l" defTabSz="457200" rtl="0" eaLnBrk="1" fontAlgn="auto" latinLnBrk="0" hangingPunct="1">
+                        <a:lnSpc>
+                          <a:spcPct val="100000"/>
+                        </a:lnSpc>
+                        <a:spcBef>
+                          <a:spcPts val="0"/>
+                        </a:spcBef>
+                        <a:spcAft>
+                          <a:spcPts val="0"/>
+                        </a:spcAft>
+                        <a:buClrTx/>
+                        <a:buSzTx/>
+                        <a:buFontTx/>
+                        <a:buNone/>
+                        <a:tabLst/>
+                        <a:defRPr/>
+                      </a:pPr>
                       <a:r>
                         <a:rPr lang="en-US" sz="1000" dirty="0"/>
                         <a:t>SLA - No</a:t>
@@ -15506,9 +15677,10 @@
                     <a:bodyPr/>
                     <a:lstStyle/>
                     <a:p>
+                      <a:pPr algn="l"/>
                       <a:r>
                         <a:rPr lang="en-US" sz="1000" dirty="0"/>
-                        <a:t>0.351741017</a:t>
+                        <a:t>0.63694925</a:t>
                       </a:r>
                     </a:p>
                   </a:txBody>
@@ -15520,7 +15692,7 @@
                   </a:ext>
                 </a:extLst>
               </a:tr>
-              <a:tr h="294713">
+              <a:tr h="365760">
                 <a:tc>
                   <a:txBody>
                     <a:bodyPr/>
@@ -15528,7 +15700,7 @@
                     <a:p>
                       <a:r>
                         <a:rPr lang="en-US" sz="1000" dirty="0"/>
-                        <a:t>prvcy_change_note_1</a:t>
+                        <a:t>sec_breach_note_1</a:t>
                       </a:r>
                     </a:p>
                   </a:txBody>
@@ -15540,17 +15712,9 @@
                     <a:lstStyle/>
                     <a:p>
                       <a:r>
-                        <a:rPr lang="en-US" sz="1000" kern="1200" dirty="0">
-                          <a:solidFill>
-                            <a:schemeClr val="dk1"/>
-                          </a:solidFill>
-                          <a:latin typeface="+mn-lt"/>
-                          <a:ea typeface="+mn-ea"/>
-                          <a:cs typeface="+mn-cs"/>
-                        </a:rPr>
-                        <a:t>Privacy Policy Change Notice Requirement - No</a:t>
+                        <a:rPr lang="en-US" sz="1000" dirty="0"/>
+                        <a:t>No</a:t>
                       </a:r>
-                      <a:endParaRPr lang="en-US" sz="1000" dirty="0"/>
                     </a:p>
                   </a:txBody>
                   <a:tcPr/>
@@ -15560,10 +15724,10 @@
                     <a:bodyPr/>
                     <a:lstStyle/>
                     <a:p>
-                      <a:pPr algn="ctr"/>
+                      <a:pPr algn="l"/>
                       <a:r>
                         <a:rPr lang="en-US" sz="1000" dirty="0"/>
-                        <a:t>0.222757899</a:t>
+                        <a:t>-0.4317903</a:t>
                       </a:r>
                     </a:p>
                   </a:txBody>
@@ -15575,7 +15739,148 @@
                   </a:ext>
                 </a:extLst>
               </a:tr>
-              <a:tr h="294713">
+              <a:tr h="365760">
+                <a:tc>
+                  <a:txBody>
+                    <a:bodyPr/>
+                    <a:lstStyle/>
+                    <a:p>
+                      <a:r>
+                        <a:rPr lang="en-US" sz="1000" dirty="0"/>
+                        <a:t>sec_breach_note_2</a:t>
+                      </a:r>
+                    </a:p>
+                  </a:txBody>
+                  <a:tcPr/>
+                </a:tc>
+                <a:tc>
+                  <a:txBody>
+                    <a:bodyPr/>
+                    <a:lstStyle/>
+                    <a:p>
+                      <a:r>
+                        <a:rPr lang="en-US" sz="1000" dirty="0"/>
+                        <a:t>Yes - within 24 hours of discovery</a:t>
+                      </a:r>
+                    </a:p>
+                  </a:txBody>
+                  <a:tcPr/>
+                </a:tc>
+                <a:tc>
+                  <a:txBody>
+                    <a:bodyPr/>
+                    <a:lstStyle/>
+                    <a:p>
+                      <a:pPr algn="l"/>
+                      <a:r>
+                        <a:rPr lang="en-US" sz="1000" dirty="0"/>
+                        <a:t>-1.73722291</a:t>
+                      </a:r>
+                    </a:p>
+                  </a:txBody>
+                  <a:tcPr/>
+                </a:tc>
+                <a:extLst>
+                  <a:ext uri="{0D108BD9-81ED-4DB2-BD59-A6C34878D82A}">
+                    <a16:rowId xmlns:a16="http://schemas.microsoft.com/office/drawing/2014/main" val="3319036952"/>
+                  </a:ext>
+                </a:extLst>
+              </a:tr>
+              <a:tr h="365760">
+                <a:tc>
+                  <a:txBody>
+                    <a:bodyPr/>
+                    <a:lstStyle/>
+                    <a:p>
+                      <a:r>
+                        <a:rPr lang="en-US" sz="1000" dirty="0"/>
+                        <a:t>sec_breach_note_3</a:t>
+                      </a:r>
+                    </a:p>
+                  </a:txBody>
+                  <a:tcPr/>
+                </a:tc>
+                <a:tc>
+                  <a:txBody>
+                    <a:bodyPr/>
+                    <a:lstStyle/>
+                    <a:p>
+                      <a:r>
+                        <a:rPr lang="en-US" sz="1000" dirty="0"/>
+                        <a:t>Yes - between 24-48 hours after discovery</a:t>
+                      </a:r>
+                    </a:p>
+                  </a:txBody>
+                  <a:tcPr/>
+                </a:tc>
+                <a:tc>
+                  <a:txBody>
+                    <a:bodyPr/>
+                    <a:lstStyle/>
+                    <a:p>
+                      <a:pPr algn="l"/>
+                      <a:r>
+                        <a:rPr lang="en-US" sz="1000" dirty="0"/>
+                        <a:t>0.60964524</a:t>
+                      </a:r>
+                    </a:p>
+                  </a:txBody>
+                  <a:tcPr/>
+                </a:tc>
+                <a:extLst>
+                  <a:ext uri="{0D108BD9-81ED-4DB2-BD59-A6C34878D82A}">
+                    <a16:rowId xmlns:a16="http://schemas.microsoft.com/office/drawing/2014/main" val="1827689785"/>
+                  </a:ext>
+                </a:extLst>
+              </a:tr>
+              <a:tr h="365760">
+                <a:tc>
+                  <a:txBody>
+                    <a:bodyPr/>
+                    <a:lstStyle/>
+                    <a:p>
+                      <a:r>
+                        <a:rPr lang="en-US" sz="1000" dirty="0"/>
+                        <a:t>sec_breach_note_4</a:t>
+                      </a:r>
+                    </a:p>
+                  </a:txBody>
+                  <a:tcPr/>
+                </a:tc>
+                <a:tc>
+                  <a:txBody>
+                    <a:bodyPr/>
+                    <a:lstStyle/>
+                    <a:p>
+                      <a:r>
+                        <a:rPr lang="en-US" sz="1000" dirty="0"/>
+                        <a:t>Yes - greater than 48 hours after discovery</a:t>
+                      </a:r>
+                    </a:p>
+                  </a:txBody>
+                  <a:tcPr/>
+                </a:tc>
+                <a:tc>
+                  <a:txBody>
+                    <a:bodyPr/>
+                    <a:lstStyle/>
+                    <a:p>
+                      <a:pPr algn="l"/>
+                      <a:r>
+                        <a:rPr lang="en-US" sz="1000" dirty="0"/>
+                        <a:t>1.33329409</a:t>
+                      </a:r>
+                    </a:p>
+                  </a:txBody>
+                  <a:tcPr/>
+                </a:tc>
+                <a:extLst>
+                  <a:ext uri="{0D108BD9-81ED-4DB2-BD59-A6C34878D82A}">
+                    <a16:rowId xmlns:a16="http://schemas.microsoft.com/office/drawing/2014/main" val="369621868"/>
+                  </a:ext>
+                </a:extLst>
+              </a:tr>
+              <a:tr h="365760">
                 <a:tc>
                   <a:txBody>
                     <a:bodyPr/>
@@ -15607,9 +15912,10 @@
                     <a:bodyPr/>
                     <a:lstStyle/>
                     <a:p>
+                      <a:pPr algn="l"/>
                       <a:r>
                         <a:rPr lang="en-US" sz="1000" dirty="0"/>
-                        <a:t>0.373001838</a:t>
+                        <a:t>0.34575481</a:t>
                       </a:r>
                     </a:p>
                   </a:txBody>
@@ -15617,57 +15923,11 @@
                 </a:tc>
                 <a:extLst>
                   <a:ext uri="{0D108BD9-81ED-4DB2-BD59-A6C34878D82A}">
-                    <a16:rowId xmlns:a16="http://schemas.microsoft.com/office/drawing/2014/main" val="3319036952"/>
+                    <a16:rowId xmlns:a16="http://schemas.microsoft.com/office/drawing/2014/main" val="1143897199"/>
                   </a:ext>
                 </a:extLst>
               </a:tr>
-              <a:tr h="294713">
-                <a:tc>
-                  <a:txBody>
-                    <a:bodyPr/>
-                    <a:lstStyle/>
-                    <a:p>
-                      <a:r>
-                        <a:rPr lang="en-US" sz="1000" dirty="0"/>
-                        <a:t>package_3</a:t>
-                      </a:r>
-                    </a:p>
-                  </a:txBody>
-                  <a:tcPr/>
-                </a:tc>
-                <a:tc>
-                  <a:txBody>
-                    <a:bodyPr/>
-                    <a:lstStyle/>
-                    <a:p>
-                      <a:r>
-                        <a:rPr lang="en-US" sz="1000" dirty="0"/>
-                        <a:t>Plus</a:t>
-                      </a:r>
-                    </a:p>
-                  </a:txBody>
-                  <a:tcPr/>
-                </a:tc>
-                <a:tc>
-                  <a:txBody>
-                    <a:bodyPr/>
-                    <a:lstStyle/>
-                    <a:p>
-                      <a:r>
-                        <a:rPr lang="en-US" sz="1000" dirty="0"/>
-                        <a:t>-0.00644071</a:t>
-                      </a:r>
-                    </a:p>
-                  </a:txBody>
-                  <a:tcPr/>
-                </a:tc>
-                <a:extLst>
-                  <a:ext uri="{0D108BD9-81ED-4DB2-BD59-A6C34878D82A}">
-                    <a16:rowId xmlns:a16="http://schemas.microsoft.com/office/drawing/2014/main" val="1827689785"/>
-                  </a:ext>
-                </a:extLst>
-              </a:tr>
-              <a:tr h="294713">
+              <a:tr h="365760">
                 <a:tc>
                   <a:txBody>
                     <a:bodyPr/>
@@ -15699,9 +15959,10 @@
                     <a:bodyPr/>
                     <a:lstStyle/>
                     <a:p>
+                      <a:pPr algn="l"/>
                       <a:r>
                         <a:rPr lang="en-US" sz="1000" dirty="0"/>
-                        <a:t>0.470317338</a:t>
+                        <a:t>0.47580221</a:t>
                       </a:r>
                     </a:p>
                   </a:txBody>
@@ -15709,11 +15970,11 @@
                 </a:tc>
                 <a:extLst>
                   <a:ext uri="{0D108BD9-81ED-4DB2-BD59-A6C34878D82A}">
-                    <a16:rowId xmlns:a16="http://schemas.microsoft.com/office/drawing/2014/main" val="369621868"/>
+                    <a16:rowId xmlns:a16="http://schemas.microsoft.com/office/drawing/2014/main" val="926195184"/>
                   </a:ext>
                 </a:extLst>
               </a:tr>
-              <a:tr h="294713">
+              <a:tr h="365760">
                 <a:tc>
                   <a:txBody>
                     <a:bodyPr/>
@@ -15745,9 +16006,10 @@
                     <a:bodyPr/>
                     <a:lstStyle/>
                     <a:p>
+                      <a:pPr algn="l"/>
                       <a:r>
                         <a:rPr lang="en-US" sz="1000" dirty="0"/>
-                        <a:t>-1.06135595</a:t>
+                        <a:t>-1.25153624</a:t>
                       </a:r>
                     </a:p>
                   </a:txBody>
@@ -15755,11 +16017,11 @@
                 </a:tc>
                 <a:extLst>
                   <a:ext uri="{0D108BD9-81ED-4DB2-BD59-A6C34878D82A}">
-                    <a16:rowId xmlns:a16="http://schemas.microsoft.com/office/drawing/2014/main" val="1143897199"/>
+                    <a16:rowId xmlns:a16="http://schemas.microsoft.com/office/drawing/2014/main" val="4012962884"/>
                   </a:ext>
                 </a:extLst>
               </a:tr>
-              <a:tr h="294713">
+              <a:tr h="365760">
                 <a:tc>
                   <a:txBody>
                     <a:bodyPr/>
@@ -15791,9 +16053,10 @@
                     <a:bodyPr/>
                     <a:lstStyle/>
                     <a:p>
+                      <a:pPr algn="l"/>
                       <a:r>
                         <a:rPr lang="en-US" sz="1000" dirty="0"/>
-                        <a:t>-0.23848859</a:t>
+                        <a:t>-0.12035668</a:t>
                       </a:r>
                     </a:p>
                   </a:txBody>
@@ -15801,11 +16064,11 @@
                 </a:tc>
                 <a:extLst>
                   <a:ext uri="{0D108BD9-81ED-4DB2-BD59-A6C34878D82A}">
-                    <a16:rowId xmlns:a16="http://schemas.microsoft.com/office/drawing/2014/main" val="926195184"/>
+                    <a16:rowId xmlns:a16="http://schemas.microsoft.com/office/drawing/2014/main" val="3040028526"/>
                   </a:ext>
                 </a:extLst>
               </a:tr>
-              <a:tr h="294713">
+              <a:tr h="365760">
                 <a:tc>
                   <a:txBody>
                     <a:bodyPr/>
@@ -15837,9 +16100,10 @@
                     <a:bodyPr/>
                     <a:lstStyle/>
                     <a:p>
+                      <a:pPr algn="l"/>
                       <a:r>
                         <a:rPr lang="en-US" sz="1000" dirty="0"/>
-                        <a:t>0.000865018</a:t>
+                        <a:t>0.10391241</a:t>
                       </a:r>
                     </a:p>
                   </a:txBody>
@@ -15847,11 +16111,11 @@
                 </a:tc>
                 <a:extLst>
                   <a:ext uri="{0D108BD9-81ED-4DB2-BD59-A6C34878D82A}">
-                    <a16:rowId xmlns:a16="http://schemas.microsoft.com/office/drawing/2014/main" val="4012962884"/>
+                    <a16:rowId xmlns:a16="http://schemas.microsoft.com/office/drawing/2014/main" val="3112519856"/>
                   </a:ext>
                 </a:extLst>
               </a:tr>
-              <a:tr h="294713">
+              <a:tr h="365760">
                 <a:tc>
                   <a:txBody>
                     <a:bodyPr/>
@@ -15871,7 +16135,7 @@
                     <a:bodyPr/>
                     <a:lstStyle/>
                     <a:p>
-                      <a:endParaRPr lang="en-US" sz="1000" dirty="0"/>
+                      <a:endParaRPr lang="en-US" dirty="0"/>
                     </a:p>
                   </a:txBody>
                   <a:tcPr/>
@@ -15881,9 +16145,10 @@
                     <a:bodyPr/>
                     <a:lstStyle/>
                     <a:p>
+                      <a:pPr algn="l"/>
                       <a:r>
                         <a:rPr lang="en-US" sz="1000" dirty="0"/>
-                        <a:t>-6.23430728</a:t>
+                        <a:t>-5.63414579</a:t>
                       </a:r>
                     </a:p>
                   </a:txBody>
@@ -15891,51 +16156,7 @@
                 </a:tc>
                 <a:extLst>
                   <a:ext uri="{0D108BD9-81ED-4DB2-BD59-A6C34878D82A}">
-                    <a16:rowId xmlns:a16="http://schemas.microsoft.com/office/drawing/2014/main" val="3040028526"/>
-                  </a:ext>
-                </a:extLst>
-              </a:tr>
-              <a:tr h="294713">
-                <a:tc>
-                  <a:txBody>
-                    <a:bodyPr/>
-                    <a:lstStyle/>
-                    <a:p>
-                      <a:r>
-                        <a:rPr lang="en-US" sz="1000" dirty="0" err="1"/>
-                        <a:t>employees_trans</a:t>
-                      </a:r>
-                      <a:endParaRPr lang="en-US" sz="1000" dirty="0"/>
-                    </a:p>
-                  </a:txBody>
-                  <a:tcPr/>
-                </a:tc>
-                <a:tc>
-                  <a:txBody>
-                    <a:bodyPr/>
-                    <a:lstStyle/>
-                    <a:p>
-                      <a:endParaRPr lang="en-US" sz="1000" dirty="0"/>
-                    </a:p>
-                  </a:txBody>
-                  <a:tcPr/>
-                </a:tc>
-                <a:tc>
-                  <a:txBody>
-                    <a:bodyPr/>
-                    <a:lstStyle/>
-                    <a:p>
-                      <a:r>
-                        <a:rPr lang="en-US" sz="1000" dirty="0"/>
-                        <a:t>0.521937655</a:t>
-                      </a:r>
-                    </a:p>
-                  </a:txBody>
-                  <a:tcPr/>
-                </a:tc>
-                <a:extLst>
-                  <a:ext uri="{0D108BD9-81ED-4DB2-BD59-A6C34878D82A}">
-                    <a16:rowId xmlns:a16="http://schemas.microsoft.com/office/drawing/2014/main" val="3112519856"/>
+                    <a16:rowId xmlns:a16="http://schemas.microsoft.com/office/drawing/2014/main" val="2869713653"/>
                   </a:ext>
                 </a:extLst>
               </a:tr>
@@ -15978,7 +16199,7 @@
           <p:cNvPr id="2" name="Title 1">
             <a:extLst>
               <a:ext uri="{FF2B5EF4-FFF2-40B4-BE49-F238E27FC236}">
-                <a16:creationId xmlns:a16="http://schemas.microsoft.com/office/drawing/2014/main" id="{04D9F952-617B-824C-8188-88E902D65C5A}"/>
+                <a16:creationId xmlns:a16="http://schemas.microsoft.com/office/drawing/2014/main" id="{8FFBE65C-5741-664A-B090-3F4A101877BA}"/>
               </a:ext>
             </a:extLst>
           </p:cNvPr>
@@ -15996,206 +16217,131 @@
           <a:p>
             <a:r>
               <a:rPr lang="en-US" dirty="0"/>
-              <a:t>Model Usage</a:t>
+              <a:t>Model Interpretation</a:t>
             </a:r>
           </a:p>
         </p:txBody>
       </p:sp>
-      <mc:AlternateContent xmlns:mc="http://schemas.openxmlformats.org/markup-compatibility/2006">
-        <mc:Choice xmlns:a14="http://schemas.microsoft.com/office/drawing/2010/main" Requires="a14">
-          <p:sp>
-            <p:nvSpPr>
-              <p:cNvPr id="3" name="Content Placeholder 2">
-                <a:extLst>
-                  <a:ext uri="{FF2B5EF4-FFF2-40B4-BE49-F238E27FC236}">
-                    <a16:creationId xmlns:a16="http://schemas.microsoft.com/office/drawing/2014/main" id="{11A06564-BAB7-F343-A83C-223515CA9394}"/>
-                  </a:ext>
-                </a:extLst>
-              </p:cNvPr>
-              <p:cNvSpPr>
-                <a:spLocks noGrp="1"/>
-              </p:cNvSpPr>
-              <p:nvPr>
-                <p:ph idx="1"/>
-              </p:nvPr>
-            </p:nvSpPr>
-            <p:spPr/>
-            <p:txBody>
-              <a:bodyPr>
-                <a:normAutofit fontScale="85000" lnSpcReduction="20000"/>
-              </a:bodyPr>
-              <a:lstStyle/>
-              <a:p>
-                <a:r>
-                  <a:rPr lang="en-US" sz="2400" dirty="0"/>
-                  <a:t>We can make predictions from the estimates. We do this by computing the effects for all of the predictors for a particular scenario, adding them up, and applying a </a:t>
-                </a:r>
-                <a:r>
-                  <a:rPr lang="en-US" sz="2400" i="1" dirty="0"/>
-                  <a:t>logistic transformation.</a:t>
-                </a:r>
-              </a:p>
-              <a:p>
-                <a:endParaRPr lang="en-US" sz="2400" i="1" dirty="0"/>
-              </a:p>
-              <a:p>
-                <a:r>
-                  <a:rPr lang="en-US" sz="2400" b="1" i="1" dirty="0"/>
-                  <a:t>X = </a:t>
-                </a:r>
-                <a:r>
-                  <a:rPr lang="en-US" sz="2400" b="1" dirty="0"/>
-                  <a:t>-0.94 + 0.76(auto_renewal_2) – 0.40(legal_terms_3) – 0.41 (legal_terms_4) + 1.04(legal_terms_5) + 0.35(sla_1) + 0.22(prvcy_change_note_1) + 0.37(package_1) – 0.01(package_3) + 0.47(package_4) – 0.16(package_5) – 0.24(segment_1) – 6.23(</a:t>
-                </a:r>
-                <a:r>
-                  <a:rPr lang="en-US" sz="2400" b="1" dirty="0" err="1"/>
-                  <a:t>renewal_ARR</a:t>
-                </a:r>
-                <a:r>
-                  <a:rPr lang="en-US" sz="2400" b="1" dirty="0"/>
-                  <a:t>) + 0.52(</a:t>
-                </a:r>
-                <a:r>
-                  <a:rPr lang="en-US" sz="2400" b="1" dirty="0" err="1"/>
-                  <a:t>employees_trans</a:t>
-                </a:r>
-                <a:r>
-                  <a:rPr lang="en-US" sz="2400" b="1" dirty="0"/>
-                  <a:t>)</a:t>
-                </a:r>
-              </a:p>
-              <a:p>
-                <a:pPr marL="0" indent="0">
-                  <a:buNone/>
-                </a:pPr>
-                <a:endParaRPr lang="en-US" sz="2400" i="1" dirty="0"/>
-              </a:p>
-              <a:p>
-                <a:r>
-                  <a:rPr lang="en-US" sz="2400" i="1" dirty="0" err="1"/>
-                  <a:t>Probability</a:t>
-                </a:r>
-                <a:r>
-                  <a:rPr lang="en-US" sz="2400" i="1" baseline="-25000" dirty="0" err="1"/>
-                  <a:t>churn</a:t>
-                </a:r>
-                <a:r>
-                  <a:rPr lang="en-US" sz="2400" i="1" baseline="-25000" dirty="0"/>
-                  <a:t> </a:t>
-                </a:r>
-                <a:r>
-                  <a:rPr lang="en-US" sz="2400" i="1" dirty="0"/>
-                  <a:t>= </a:t>
-                </a:r>
-                <a14:m>
-                  <m:oMath xmlns:m="http://schemas.openxmlformats.org/officeDocument/2006/math">
-                    <m:f>
-                      <m:fPr>
-                        <m:ctrlPr>
-                          <a:rPr lang="en-US" sz="2400" i="1" smtClean="0">
-                            <a:latin typeface="Cambria Math" panose="02040503050406030204" pitchFamily="18" charset="0"/>
-                          </a:rPr>
-                        </m:ctrlPr>
-                      </m:fPr>
-                      <m:num>
-                        <m:r>
-                          <a:rPr lang="en-US" sz="2400" b="0" i="1" smtClean="0">
-                            <a:latin typeface="Cambria Math" panose="02040503050406030204" pitchFamily="18" charset="0"/>
-                          </a:rPr>
-                          <m:t>1</m:t>
-                        </m:r>
-                      </m:num>
-                      <m:den>
-                        <m:r>
-                          <a:rPr lang="en-US" sz="2400" b="0" i="1" smtClean="0">
-                            <a:latin typeface="Cambria Math" panose="02040503050406030204" pitchFamily="18" charset="0"/>
-                          </a:rPr>
-                          <m:t>1+</m:t>
-                        </m:r>
-                        <m:sSup>
-                          <m:sSupPr>
-                            <m:ctrlPr>
-                              <a:rPr lang="en-US" sz="2400" b="0" i="1" smtClean="0">
-                                <a:latin typeface="Cambria Math" panose="02040503050406030204" pitchFamily="18" charset="0"/>
-                              </a:rPr>
-                            </m:ctrlPr>
-                          </m:sSupPr>
-                          <m:e>
-                            <m:r>
-                              <a:rPr lang="en-US" sz="2400" b="0" i="1" smtClean="0">
-                                <a:latin typeface="Cambria Math" panose="02040503050406030204" pitchFamily="18" charset="0"/>
-                              </a:rPr>
-                              <m:t>𝑒</m:t>
-                            </m:r>
-                          </m:e>
-                          <m:sup>
-                            <m:r>
-                              <a:rPr lang="en-US" sz="2400" b="0" i="1" smtClean="0">
-                                <a:latin typeface="Cambria Math" panose="02040503050406030204" pitchFamily="18" charset="0"/>
-                              </a:rPr>
-                              <m:t>−</m:t>
-                            </m:r>
-                            <m:r>
-                              <a:rPr lang="en-US" sz="2400" b="0" i="1" smtClean="0">
-                                <a:latin typeface="Cambria Math" panose="02040503050406030204" pitchFamily="18" charset="0"/>
-                              </a:rPr>
-                              <m:t>𝑥</m:t>
-                            </m:r>
-                          </m:sup>
-                        </m:sSup>
-                      </m:den>
-                    </m:f>
-                  </m:oMath>
-                </a14:m>
-                <a:endParaRPr lang="en-US" sz="2400" dirty="0"/>
-              </a:p>
-            </p:txBody>
-          </p:sp>
-        </mc:Choice>
-        <mc:Fallback>
-          <p:sp>
-            <p:nvSpPr>
-              <p:cNvPr id="3" name="Content Placeholder 2">
-                <a:extLst>
-                  <a:ext uri="{FF2B5EF4-FFF2-40B4-BE49-F238E27FC236}">
-                    <a16:creationId xmlns:a16="http://schemas.microsoft.com/office/drawing/2014/main" id="{11A06564-BAB7-F343-A83C-223515CA9394}"/>
-                  </a:ext>
-                </a:extLst>
-              </p:cNvPr>
-              <p:cNvSpPr>
-                <a:spLocks noGrp="1" noRot="1" noChangeAspect="1" noMove="1" noResize="1" noEditPoints="1" noAdjustHandles="1" noChangeArrowheads="1" noChangeShapeType="1" noTextEdit="1"/>
-              </p:cNvSpPr>
-              <p:nvPr>
-                <p:ph idx="1"/>
-              </p:nvPr>
-            </p:nvSpPr>
-            <p:spPr>
-              <a:blipFill>
-                <a:blip r:embed="rId2"/>
-                <a:stretch>
-                  <a:fillRect l="-287" t="-2593" r="-575" b="-370"/>
-                </a:stretch>
-              </a:blipFill>
-            </p:spPr>
-            <p:txBody>
-              <a:bodyPr/>
-              <a:lstStyle/>
-              <a:p>
-                <a:r>
-                  <a:rPr lang="en-US">
-                    <a:noFill/>
-                  </a:rPr>
-                  <a:t> </a:t>
-                </a:r>
-              </a:p>
-            </p:txBody>
-          </p:sp>
-        </mc:Fallback>
-      </mc:AlternateContent>
+      <p:sp>
+        <p:nvSpPr>
+          <p:cNvPr id="3" name="Content Placeholder 2">
+            <a:extLst>
+              <a:ext uri="{FF2B5EF4-FFF2-40B4-BE49-F238E27FC236}">
+                <a16:creationId xmlns:a16="http://schemas.microsoft.com/office/drawing/2014/main" id="{0B458E72-DE9E-514F-9EFD-61EE0813276F}"/>
+              </a:ext>
+            </a:extLst>
+          </p:cNvPr>
+          <p:cNvSpPr>
+            <a:spLocks noGrp="1"/>
+          </p:cNvSpPr>
+          <p:nvPr>
+            <p:ph idx="1"/>
+          </p:nvPr>
+        </p:nvSpPr>
+        <p:spPr/>
+        <p:txBody>
+          <a:bodyPr>
+            <a:normAutofit/>
+          </a:bodyPr>
+          <a:lstStyle/>
+          <a:p>
+            <a:pPr marL="0" indent="0">
+              <a:buNone/>
+            </a:pPr>
+            <a:r>
+              <a:rPr lang="en-US" sz="2000" dirty="0"/>
+              <a:t>Indicators that customer are </a:t>
+            </a:r>
+            <a:r>
+              <a:rPr lang="en-US" sz="2000" b="1" dirty="0"/>
+              <a:t>more</a:t>
+            </a:r>
+            <a:r>
+              <a:rPr lang="en-US" sz="2000" dirty="0"/>
+              <a:t> likely to churn:</a:t>
+            </a:r>
+          </a:p>
+          <a:p>
+            <a:r>
+              <a:rPr lang="en-US" sz="2000" b="1" dirty="0"/>
+              <a:t>Termination rights</a:t>
+            </a:r>
+            <a:r>
+              <a:rPr lang="en-US" sz="2000" dirty="0"/>
+              <a:t>: Yes - less than 90-day notice</a:t>
+            </a:r>
+          </a:p>
+          <a:p>
+            <a:r>
+              <a:rPr lang="en-US" sz="2000" b="1" dirty="0"/>
+              <a:t>Legal terms</a:t>
+            </a:r>
+            <a:r>
+              <a:rPr lang="en-US" sz="2000" dirty="0"/>
+              <a:t>: Standard (15Nov16)</a:t>
+            </a:r>
+          </a:p>
+          <a:p>
+            <a:r>
+              <a:rPr lang="en-US" sz="2000" b="1" dirty="0"/>
+              <a:t>SLA</a:t>
+            </a:r>
+            <a:r>
+              <a:rPr lang="en-US" sz="2000" dirty="0"/>
+              <a:t>: No</a:t>
+            </a:r>
+          </a:p>
+          <a:p>
+            <a:pPr fontAlgn="t"/>
+            <a:r>
+              <a:rPr lang="en-US" sz="2000" b="1" dirty="0"/>
+              <a:t>Data or Security Breach Notice Requirement</a:t>
+            </a:r>
+            <a:r>
+              <a:rPr lang="en-US" sz="2000" dirty="0"/>
+              <a:t>: Yes - between 24-48 hours after discovery, Yes - greater than 48 hours after discovery</a:t>
+            </a:r>
+          </a:p>
+          <a:p>
+            <a:pPr fontAlgn="t"/>
+            <a:r>
+              <a:rPr lang="en-US" sz="2000" b="1" dirty="0"/>
+              <a:t>Package</a:t>
+            </a:r>
+            <a:r>
+              <a:rPr lang="en-US" sz="2000" dirty="0"/>
+              <a:t>: Enterprise, Professional</a:t>
+            </a:r>
+          </a:p>
+          <a:p>
+            <a:pPr fontAlgn="t"/>
+            <a:r>
+              <a:rPr lang="en-US" sz="2000" b="1" dirty="0"/>
+              <a:t>Segment</a:t>
+            </a:r>
+            <a:r>
+              <a:rPr lang="en-US" sz="2000" dirty="0"/>
+              <a:t>: ENT</a:t>
+            </a:r>
+          </a:p>
+          <a:p>
+            <a:endParaRPr lang="en-US" sz="2000" dirty="0"/>
+          </a:p>
+          <a:p>
+            <a:endParaRPr lang="en-US" sz="2000" dirty="0"/>
+          </a:p>
+          <a:p>
+            <a:endParaRPr lang="en-US" sz="2000" dirty="0"/>
+          </a:p>
+          <a:p>
+            <a:endParaRPr lang="en-US" sz="2000" dirty="0"/>
+          </a:p>
+        </p:txBody>
+      </p:sp>
     </p:spTree>
     <p:extLst>
       <p:ext uri="{BB962C8B-B14F-4D97-AF65-F5344CB8AC3E}">
-        <p14:creationId xmlns:p14="http://schemas.microsoft.com/office/powerpoint/2010/main" val="1152523713"/>
+        <p14:creationId xmlns:p14="http://schemas.microsoft.com/office/powerpoint/2010/main" val="1396688526"/>
       </p:ext>
     </p:extLst>
   </p:cSld>
@@ -16206,6 +16352,185 @@
 </file>
 
 <file path=ppt/slides/slide14.xml><?xml version="1.0" encoding="utf-8"?>
+<p:sld xmlns:a="http://schemas.openxmlformats.org/drawingml/2006/main" xmlns:r="http://schemas.openxmlformats.org/officeDocument/2006/relationships" xmlns:p="http://schemas.openxmlformats.org/presentationml/2006/main">
+  <p:cSld>
+    <p:spTree>
+      <p:nvGrpSpPr>
+        <p:cNvPr id="1" name=""/>
+        <p:cNvGrpSpPr/>
+        <p:nvPr/>
+      </p:nvGrpSpPr>
+      <p:grpSpPr>
+        <a:xfrm>
+          <a:off x="0" y="0"/>
+          <a:ext cx="0" cy="0"/>
+          <a:chOff x="0" y="0"/>
+          <a:chExt cx="0" cy="0"/>
+        </a:xfrm>
+      </p:grpSpPr>
+      <p:sp>
+        <p:nvSpPr>
+          <p:cNvPr id="2" name="Title 1">
+            <a:extLst>
+              <a:ext uri="{FF2B5EF4-FFF2-40B4-BE49-F238E27FC236}">
+                <a16:creationId xmlns:a16="http://schemas.microsoft.com/office/drawing/2014/main" id="{8FFBE65C-5741-664A-B090-3F4A101877BA}"/>
+              </a:ext>
+            </a:extLst>
+          </p:cNvPr>
+          <p:cNvSpPr>
+            <a:spLocks noGrp="1"/>
+          </p:cNvSpPr>
+          <p:nvPr>
+            <p:ph type="title"/>
+          </p:nvPr>
+        </p:nvSpPr>
+        <p:spPr/>
+        <p:txBody>
+          <a:bodyPr/>
+          <a:lstStyle/>
+          <a:p>
+            <a:r>
+              <a:rPr lang="en-US" dirty="0"/>
+              <a:t>Model Interpretation</a:t>
+            </a:r>
+          </a:p>
+        </p:txBody>
+      </p:sp>
+      <p:sp>
+        <p:nvSpPr>
+          <p:cNvPr id="3" name="Content Placeholder 2">
+            <a:extLst>
+              <a:ext uri="{FF2B5EF4-FFF2-40B4-BE49-F238E27FC236}">
+                <a16:creationId xmlns:a16="http://schemas.microsoft.com/office/drawing/2014/main" id="{0B458E72-DE9E-514F-9EFD-61EE0813276F}"/>
+              </a:ext>
+            </a:extLst>
+          </p:cNvPr>
+          <p:cNvSpPr>
+            <a:spLocks noGrp="1"/>
+          </p:cNvSpPr>
+          <p:nvPr>
+            <p:ph idx="1"/>
+          </p:nvPr>
+        </p:nvSpPr>
+        <p:spPr/>
+        <p:txBody>
+          <a:bodyPr>
+            <a:normAutofit/>
+          </a:bodyPr>
+          <a:lstStyle/>
+          <a:p>
+            <a:pPr marL="0" indent="0">
+              <a:buNone/>
+            </a:pPr>
+            <a:r>
+              <a:rPr lang="en-US" sz="2000" dirty="0"/>
+              <a:t>Indicators that customer are </a:t>
+            </a:r>
+            <a:r>
+              <a:rPr lang="en-US" sz="2000" b="1" dirty="0"/>
+              <a:t>less</a:t>
+            </a:r>
+            <a:r>
+              <a:rPr lang="en-US" sz="2000" dirty="0"/>
+              <a:t> likely to churn:</a:t>
+            </a:r>
+          </a:p>
+          <a:p>
+            <a:pPr fontAlgn="t"/>
+            <a:r>
+              <a:rPr lang="en-US" sz="2000" b="1" dirty="0"/>
+              <a:t>Legal terms</a:t>
+            </a:r>
+            <a:r>
+              <a:rPr lang="en-US" sz="2000" dirty="0"/>
+              <a:t>: Standard (MSA 1Apr18)</a:t>
+            </a:r>
+            <a:r>
+              <a:rPr lang="en-US" sz="2000" b="1" dirty="0"/>
+              <a:t>, </a:t>
+            </a:r>
+            <a:r>
+              <a:rPr lang="en-US" sz="2000" dirty="0"/>
+              <a:t>Standard (3Apr17)</a:t>
+            </a:r>
+          </a:p>
+          <a:p>
+            <a:pPr fontAlgn="t"/>
+            <a:r>
+              <a:rPr lang="en-US" sz="2000" b="1" dirty="0"/>
+              <a:t>Data or Security Breach Notice Requirement</a:t>
+            </a:r>
+            <a:r>
+              <a:rPr lang="en-US" sz="2000" dirty="0"/>
+              <a:t>: No</a:t>
+            </a:r>
+            <a:r>
+              <a:rPr lang="en-US" sz="2000" b="1" dirty="0"/>
+              <a:t>, </a:t>
+            </a:r>
+            <a:r>
+              <a:rPr lang="en-US" sz="2000" dirty="0"/>
+              <a:t>Yes - within 24 hours of discovery</a:t>
+            </a:r>
+          </a:p>
+          <a:p>
+            <a:pPr fontAlgn="t"/>
+            <a:r>
+              <a:rPr lang="en-US" sz="2000" b="1" dirty="0"/>
+              <a:t>Package</a:t>
+            </a:r>
+            <a:r>
+              <a:rPr lang="en-US" sz="2000" dirty="0"/>
+              <a:t>: Ultimate</a:t>
+            </a:r>
+          </a:p>
+          <a:p>
+            <a:pPr fontAlgn="t"/>
+            <a:r>
+              <a:rPr lang="en-US" sz="2000" b="1" dirty="0"/>
+              <a:t>Segment</a:t>
+            </a:r>
+            <a:r>
+              <a:rPr lang="en-US" sz="2000" dirty="0"/>
+              <a:t>: MM</a:t>
+            </a:r>
+          </a:p>
+          <a:p>
+            <a:pPr fontAlgn="t"/>
+            <a:r>
+              <a:rPr lang="en-US" sz="2000" b="1" dirty="0" err="1"/>
+              <a:t>Renewal_ARR</a:t>
+            </a:r>
+            <a:endParaRPr lang="en-US" sz="2000" b="1" dirty="0"/>
+          </a:p>
+          <a:p>
+            <a:endParaRPr lang="en-US" sz="2000" dirty="0"/>
+          </a:p>
+          <a:p>
+            <a:endParaRPr lang="en-US" sz="2000" dirty="0"/>
+          </a:p>
+          <a:p>
+            <a:endParaRPr lang="en-US" sz="2000" dirty="0"/>
+          </a:p>
+          <a:p>
+            <a:endParaRPr lang="en-US" sz="2000" dirty="0"/>
+          </a:p>
+        </p:txBody>
+      </p:sp>
+    </p:spTree>
+    <p:extLst>
+      <p:ext uri="{BB962C8B-B14F-4D97-AF65-F5344CB8AC3E}">
+        <p14:creationId xmlns:p14="http://schemas.microsoft.com/office/powerpoint/2010/main" val="1698841644"/>
+      </p:ext>
+    </p:extLst>
+  </p:cSld>
+  <p:clrMapOvr>
+    <a:masterClrMapping/>
+  </p:clrMapOvr>
+</p:sld>
+</file>
+
+<file path=ppt/slides/slide15.xml><?xml version="1.0" encoding="utf-8"?>
 <p:sld xmlns:a="http://schemas.openxmlformats.org/drawingml/2006/main" xmlns:r="http://schemas.openxmlformats.org/officeDocument/2006/relationships" xmlns:p="http://schemas.openxmlformats.org/presentationml/2006/main">
   <p:cSld>
     <p:spTree>
@@ -16250,6 +16575,256 @@
           </a:p>
         </p:txBody>
       </p:sp>
+      <mc:AlternateContent xmlns:mc="http://schemas.openxmlformats.org/markup-compatibility/2006">
+        <mc:Choice xmlns:a14="http://schemas.microsoft.com/office/drawing/2010/main" Requires="a14">
+          <p:sp>
+            <p:nvSpPr>
+              <p:cNvPr id="3" name="Content Placeholder 2">
+                <a:extLst>
+                  <a:ext uri="{FF2B5EF4-FFF2-40B4-BE49-F238E27FC236}">
+                    <a16:creationId xmlns:a16="http://schemas.microsoft.com/office/drawing/2014/main" id="{11A06564-BAB7-F343-A83C-223515CA9394}"/>
+                  </a:ext>
+                </a:extLst>
+              </p:cNvPr>
+              <p:cNvSpPr>
+                <a:spLocks noGrp="1"/>
+              </p:cNvSpPr>
+              <p:nvPr>
+                <p:ph idx="1"/>
+              </p:nvPr>
+            </p:nvSpPr>
+            <p:spPr>
+              <a:xfrm>
+                <a:off x="1683170" y="2468032"/>
+                <a:ext cx="8825659" cy="3416300"/>
+              </a:xfrm>
+            </p:spPr>
+            <p:txBody>
+              <a:bodyPr>
+                <a:noAutofit/>
+              </a:bodyPr>
+              <a:lstStyle/>
+              <a:p>
+                <a:r>
+                  <a:rPr lang="en-US" dirty="0"/>
+                  <a:t>We can make predictions from the estimates. We do this by computing the effects for all of the predictors for a particular scenario, adding them up, and applying a </a:t>
+                </a:r>
+                <a:r>
+                  <a:rPr lang="en-US" i="1" dirty="0"/>
+                  <a:t>logistic transformation.</a:t>
+                </a:r>
+              </a:p>
+              <a:p>
+                <a:endParaRPr lang="en-US" i="1" dirty="0"/>
+              </a:p>
+              <a:p>
+                <a:r>
+                  <a:rPr lang="en-US" b="1" i="1" dirty="0"/>
+                  <a:t>X = </a:t>
+                </a:r>
+                <a:r>
+                  <a:rPr lang="en-US" b="1" dirty="0"/>
+                  <a:t>-0.23 + 0.39(termination_rights_2) – 0.33(legal_terms_3) – 0.06 (legal_terms_4) + 1.40(legal_terms_5) + 0.64(sla_1) – 0.43 (sec_breach_note_1) – 1.74 (sec_breach_note_2) +  0.61(sec_breach_note_3) + 1.33(sec_breach_note_4) + 0.35(package_1) + 0.48(package_4) –1.25(package_5) – 0.12(segment_0) + 0.10(segment_1) – 5.63(</a:t>
+                </a:r>
+                <a:r>
+                  <a:rPr lang="en-US" b="1" dirty="0" err="1"/>
+                  <a:t>renewal_ARR</a:t>
+                </a:r>
+                <a:r>
+                  <a:rPr lang="en-US" b="1" dirty="0"/>
+                  <a:t>) </a:t>
+                </a:r>
+              </a:p>
+              <a:p>
+                <a:pPr marL="0" indent="0">
+                  <a:buNone/>
+                </a:pPr>
+                <a:endParaRPr lang="en-US" i="1" dirty="0"/>
+              </a:p>
+              <a:p>
+                <a:r>
+                  <a:rPr lang="en-US" i="1" dirty="0" err="1"/>
+                  <a:t>Probability</a:t>
+                </a:r>
+                <a:r>
+                  <a:rPr lang="en-US" i="1" baseline="-25000" dirty="0" err="1"/>
+                  <a:t>churn</a:t>
+                </a:r>
+                <a:r>
+                  <a:rPr lang="en-US" i="1" baseline="-25000" dirty="0"/>
+                  <a:t> </a:t>
+                </a:r>
+                <a:r>
+                  <a:rPr lang="en-US" i="1" dirty="0"/>
+                  <a:t>= </a:t>
+                </a:r>
+                <a14:m>
+                  <m:oMath xmlns:m="http://schemas.openxmlformats.org/officeDocument/2006/math">
+                    <m:f>
+                      <m:fPr>
+                        <m:ctrlPr>
+                          <a:rPr lang="en-US" i="1" smtClean="0">
+                            <a:latin typeface="Cambria Math" panose="02040503050406030204" pitchFamily="18" charset="0"/>
+                          </a:rPr>
+                        </m:ctrlPr>
+                      </m:fPr>
+                      <m:num>
+                        <m:r>
+                          <a:rPr lang="en-US" b="0" i="1" smtClean="0">
+                            <a:latin typeface="Cambria Math" panose="02040503050406030204" pitchFamily="18" charset="0"/>
+                          </a:rPr>
+                          <m:t>1</m:t>
+                        </m:r>
+                      </m:num>
+                      <m:den>
+                        <m:r>
+                          <a:rPr lang="en-US" b="0" i="1" smtClean="0">
+                            <a:latin typeface="Cambria Math" panose="02040503050406030204" pitchFamily="18" charset="0"/>
+                          </a:rPr>
+                          <m:t>1+</m:t>
+                        </m:r>
+                        <m:sSup>
+                          <m:sSupPr>
+                            <m:ctrlPr>
+                              <a:rPr lang="en-US" b="0" i="1" smtClean="0">
+                                <a:latin typeface="Cambria Math" panose="02040503050406030204" pitchFamily="18" charset="0"/>
+                              </a:rPr>
+                            </m:ctrlPr>
+                          </m:sSupPr>
+                          <m:e>
+                            <m:r>
+                              <a:rPr lang="en-US" b="0" i="1" smtClean="0">
+                                <a:latin typeface="Cambria Math" panose="02040503050406030204" pitchFamily="18" charset="0"/>
+                              </a:rPr>
+                              <m:t>𝑒</m:t>
+                            </m:r>
+                          </m:e>
+                          <m:sup>
+                            <m:r>
+                              <a:rPr lang="en-US" b="0" i="1" smtClean="0">
+                                <a:latin typeface="Cambria Math" panose="02040503050406030204" pitchFamily="18" charset="0"/>
+                              </a:rPr>
+                              <m:t>−</m:t>
+                            </m:r>
+                            <m:r>
+                              <a:rPr lang="en-US" b="0" i="1" smtClean="0">
+                                <a:latin typeface="Cambria Math" panose="02040503050406030204" pitchFamily="18" charset="0"/>
+                              </a:rPr>
+                              <m:t>𝑥</m:t>
+                            </m:r>
+                          </m:sup>
+                        </m:sSup>
+                      </m:den>
+                    </m:f>
+                  </m:oMath>
+                </a14:m>
+                <a:endParaRPr lang="en-US" dirty="0"/>
+              </a:p>
+            </p:txBody>
+          </p:sp>
+        </mc:Choice>
+        <mc:Fallback>
+          <p:sp>
+            <p:nvSpPr>
+              <p:cNvPr id="3" name="Content Placeholder 2">
+                <a:extLst>
+                  <a:ext uri="{FF2B5EF4-FFF2-40B4-BE49-F238E27FC236}">
+                    <a16:creationId xmlns:a16="http://schemas.microsoft.com/office/drawing/2014/main" id="{11A06564-BAB7-F343-A83C-223515CA9394}"/>
+                  </a:ext>
+                </a:extLst>
+              </p:cNvPr>
+              <p:cNvSpPr>
+                <a:spLocks noGrp="1" noRot="1" noChangeAspect="1" noMove="1" noResize="1" noEditPoints="1" noAdjustHandles="1" noChangeArrowheads="1" noChangeShapeType="1" noTextEdit="1"/>
+              </p:cNvSpPr>
+              <p:nvPr>
+                <p:ph idx="1"/>
+              </p:nvPr>
+            </p:nvSpPr>
+            <p:spPr>
+              <a:xfrm>
+                <a:off x="1683170" y="2468032"/>
+                <a:ext cx="8825659" cy="3416300"/>
+              </a:xfrm>
+              <a:blipFill>
+                <a:blip r:embed="rId2"/>
+                <a:stretch>
+                  <a:fillRect l="-144" t="-370" r="-144" b="-18148"/>
+                </a:stretch>
+              </a:blipFill>
+            </p:spPr>
+            <p:txBody>
+              <a:bodyPr/>
+              <a:lstStyle/>
+              <a:p>
+                <a:r>
+                  <a:rPr lang="en-US">
+                    <a:noFill/>
+                  </a:rPr>
+                  <a:t> </a:t>
+                </a:r>
+              </a:p>
+            </p:txBody>
+          </p:sp>
+        </mc:Fallback>
+      </mc:AlternateContent>
+    </p:spTree>
+    <p:extLst>
+      <p:ext uri="{BB962C8B-B14F-4D97-AF65-F5344CB8AC3E}">
+        <p14:creationId xmlns:p14="http://schemas.microsoft.com/office/powerpoint/2010/main" val="1152523713"/>
+      </p:ext>
+    </p:extLst>
+  </p:cSld>
+  <p:clrMapOvr>
+    <a:masterClrMapping/>
+  </p:clrMapOvr>
+</p:sld>
+</file>
+
+<file path=ppt/slides/slide16.xml><?xml version="1.0" encoding="utf-8"?>
+<p:sld xmlns:a="http://schemas.openxmlformats.org/drawingml/2006/main" xmlns:r="http://schemas.openxmlformats.org/officeDocument/2006/relationships" xmlns:p="http://schemas.openxmlformats.org/presentationml/2006/main">
+  <p:cSld>
+    <p:spTree>
+      <p:nvGrpSpPr>
+        <p:cNvPr id="1" name=""/>
+        <p:cNvGrpSpPr/>
+        <p:nvPr/>
+      </p:nvGrpSpPr>
+      <p:grpSpPr>
+        <a:xfrm>
+          <a:off x="0" y="0"/>
+          <a:ext cx="0" cy="0"/>
+          <a:chOff x="0" y="0"/>
+          <a:chExt cx="0" cy="0"/>
+        </a:xfrm>
+      </p:grpSpPr>
+      <p:sp>
+        <p:nvSpPr>
+          <p:cNvPr id="2" name="Title 1">
+            <a:extLst>
+              <a:ext uri="{FF2B5EF4-FFF2-40B4-BE49-F238E27FC236}">
+                <a16:creationId xmlns:a16="http://schemas.microsoft.com/office/drawing/2014/main" id="{04D9F952-617B-824C-8188-88E902D65C5A}"/>
+              </a:ext>
+            </a:extLst>
+          </p:cNvPr>
+          <p:cNvSpPr>
+            <a:spLocks noGrp="1"/>
+          </p:cNvSpPr>
+          <p:nvPr>
+            <p:ph type="title"/>
+          </p:nvPr>
+        </p:nvSpPr>
+        <p:spPr/>
+        <p:txBody>
+          <a:bodyPr/>
+          <a:lstStyle/>
+          <a:p>
+            <a:r>
+              <a:rPr lang="en-US" dirty="0"/>
+              <a:t>Model Usage</a:t>
+            </a:r>
+          </a:p>
+        </p:txBody>
+      </p:sp>
       <p:sp>
         <p:nvSpPr>
           <p:cNvPr id="3" name="Content Placeholder 2">
@@ -16284,12 +16859,16 @@
             </a:r>
           </a:p>
           <a:p>
-            <a:endParaRPr lang="en-US" sz="2400" dirty="0"/>
-          </a:p>
-          <a:p>
+            <a:endParaRPr lang="en-US" sz="1100" dirty="0"/>
+          </a:p>
+          <a:p>
+            <a:r>
+              <a:rPr lang="en-US" sz="2200"/>
+              <a:t>5-scale score </a:t>
+            </a:r>
             <a:r>
               <a:rPr lang="en-US" sz="2200" dirty="0"/>
-              <a:t>5 categories generated from whole dataset:</a:t>
+              <a:t>generated from whole dataset:</a:t>
             </a:r>
           </a:p>
           <a:p>
@@ -16298,7 +16877,7 @@
             </a:pPr>
             <a:r>
               <a:rPr lang="en-US" sz="2200" dirty="0"/>
-              <a:t>1: (-0.01, 0.244] Unlikely to churn</a:t>
+              <a:t>    1: Unlikely to churn</a:t>
             </a:r>
           </a:p>
           <a:p>
@@ -16307,7 +16886,7 @@
             </a:pPr>
             <a:r>
               <a:rPr lang="en-US" sz="2200" dirty="0"/>
-              <a:t>2: (0.244, 0.285] Slightly likely to churn</a:t>
+              <a:t>    2: Slightly likely to churn</a:t>
             </a:r>
           </a:p>
           <a:p>
@@ -16316,7 +16895,7 @@
             </a:pPr>
             <a:r>
               <a:rPr lang="en-US" sz="2200" dirty="0"/>
-              <a:t>3: (0.285, 0.302] Moderately likely to churn</a:t>
+              <a:t>    3: Moderately likely to churn</a:t>
             </a:r>
           </a:p>
           <a:p>
@@ -16325,7 +16904,7 @@
             </a:pPr>
             <a:r>
               <a:rPr lang="en-US" sz="2200" dirty="0"/>
-              <a:t>4: (0.302, 0.399] Very likely to churn</a:t>
+              <a:t>    4: Very likely to churn</a:t>
             </a:r>
           </a:p>
           <a:p>
@@ -16334,7 +16913,7 @@
             </a:pPr>
             <a:r>
               <a:rPr lang="en-US" sz="2200" dirty="0"/>
-              <a:t>5: (0.399, 0.793] Extremely likely to churn</a:t>
+              <a:t>    5: Extremely likely to churn</a:t>
             </a:r>
           </a:p>
         </p:txBody>
@@ -16352,7 +16931,7 @@
 </p:sld>
 </file>
 
-<file path=ppt/slides/slide15.xml><?xml version="1.0" encoding="utf-8"?>
+<file path=ppt/slides/slide17.xml><?xml version="1.0" encoding="utf-8"?>
 <p:sld xmlns:a="http://schemas.openxmlformats.org/drawingml/2006/main" xmlns:r="http://schemas.openxmlformats.org/officeDocument/2006/relationships" xmlns:p="http://schemas.openxmlformats.org/presentationml/2006/main">
   <p:cSld>
     <p:spTree>
@@ -16457,7 +17036,7 @@
 </p:sld>
 </file>
 
-<file path=ppt/slides/slide16.xml><?xml version="1.0" encoding="utf-8"?>
+<file path=ppt/slides/slide18.xml><?xml version="1.0" encoding="utf-8"?>
 <p:sld xmlns:a="http://schemas.openxmlformats.org/drawingml/2006/main" xmlns:r="http://schemas.openxmlformats.org/officeDocument/2006/relationships" xmlns:p="http://schemas.openxmlformats.org/presentationml/2006/main">
   <p:cSld>
     <p:spTree>
@@ -16790,13 +17369,7 @@
           <a:p>
             <a:r>
               <a:rPr lang="en-US" sz="2000" dirty="0"/>
-              <a:t>Logistic regression</a:t>
-            </a:r>
-          </a:p>
-          <a:p>
-            <a:r>
-              <a:rPr lang="en-US" sz="2000" dirty="0"/>
-              <a:t>Decision Tree</a:t>
+              <a:t>Logistic regression, Random forest, K-nearest Neighbor, Linear Discriminant Analysis, Naïve Bayes, Neural Network</a:t>
             </a:r>
           </a:p>
         </p:txBody>
@@ -17828,11 +18401,11 @@
           <a:p>
             <a:r>
               <a:rPr lang="en-US" sz="2000" dirty="0"/>
-              <a:t>Convert 'Initial term start date’ to 'Duration’, i.e. calculated from initial term start date to “today’s” date(Jul 15</a:t>
+              <a:t>Convert 'Initial term start date’ to 'Duration’, i.e. calculated from initial term start date to “today’s” date(Jul 23</a:t>
             </a:r>
             <a:r>
               <a:rPr lang="en-US" sz="2000" baseline="30000" dirty="0"/>
-              <a:t>th</a:t>
+              <a:t>rd</a:t>
             </a:r>
             <a:r>
               <a:rPr lang="en-US" sz="2000" dirty="0"/>
@@ -17961,7 +18534,7 @@
                   </a:schemeClr>
                 </a:solidFill>
               </a:rPr>
-              <a:t>Run decision tree model to screen out variables making no contributions to model building. Kept variables are shown below:</a:t>
+              <a:t>Run random forest model to screen out variables making no contributions to model building. Kept variables are shown below:</a:t>
             </a:r>
           </a:p>
         </p:txBody>
@@ -18320,10 +18893,15 @@
             <a:endParaRPr lang="en-US" sz="1400" dirty="0"/>
           </a:p>
           <a:p>
+            <a:pPr marL="0" indent="0">
+              <a:buNone/>
+            </a:pPr>
             <a:r>
               <a:rPr lang="en-US" sz="1400" dirty="0">
                 <a:solidFill>
-                  <a:schemeClr val="accent1"/>
+                  <a:schemeClr val="bg1">
+                    <a:lumMod val="85000"/>
+                  </a:schemeClr>
                 </a:solidFill>
               </a:rPr>
               <a:t>Non-Solicit Obligations</a:t>
@@ -18365,10 +18943,15 @@
             </a:r>
           </a:p>
           <a:p>
+            <a:pPr marL="0" indent="0">
+              <a:buNone/>
+            </a:pPr>
             <a:r>
               <a:rPr lang="en-US" sz="1400" dirty="0">
                 <a:solidFill>
-                  <a:schemeClr val="accent1"/>
+                  <a:schemeClr val="bg1">
+                    <a:lumMod val="85000"/>
+                  </a:schemeClr>
                 </a:solidFill>
               </a:rPr>
               <a:t>Privacy Policy Change Notice Requirement</a:t>
@@ -18638,16 +19221,10 @@
             <a:endParaRPr lang="en-US" sz="1400" dirty="0"/>
           </a:p>
           <a:p>
-            <a:pPr marL="0" indent="0">
-              <a:buFont typeface="Wingdings 3" charset="2"/>
-              <a:buNone/>
-            </a:pPr>
             <a:r>
               <a:rPr lang="en-US" sz="1400" dirty="0">
                 <a:solidFill>
-                  <a:schemeClr val="bg1">
-                    <a:lumMod val="85000"/>
-                  </a:schemeClr>
+                  <a:schemeClr val="accent1"/>
                 </a:solidFill>
               </a:rPr>
               <a:t>Data or Security Breach Notice Requirement</a:t>
@@ -19072,19 +19649,19 @@
           <a:p>
             <a:r>
               <a:rPr lang="en-US" sz="2400" dirty="0"/>
-              <a:t>4 models were built using logistic regression and decision tree. </a:t>
+              <a:t>12 models were built using different classification algorithms. </a:t>
             </a:r>
           </a:p>
           <a:p>
             <a:r>
               <a:rPr lang="en-US" sz="2400" dirty="0"/>
-              <a:t>The best model was using logistic regression with L1 penalty, which had an accuracy of 73.98% on test data.</a:t>
+              <a:t>The best model was using logistic regression with L1 penalty, which had an accuracy of 74.27% on test data.</a:t>
             </a:r>
           </a:p>
           <a:p>
             <a:r>
               <a:rPr lang="en-US" sz="2400" dirty="0"/>
-              <a:t>10 fold cross validation: Overall Accuracy: 0.71 (+/- 0.02)</a:t>
+              <a:t>10 fold cross validation: Overall Accuracy: 0.71 (+/- 0.03)</a:t>
             </a:r>
           </a:p>
         </p:txBody>
@@ -19110,8 +19687,8 @@
         </p:blipFill>
         <p:spPr>
           <a:xfrm>
-            <a:off x="6798733" y="2809345"/>
-            <a:ext cx="4345024" cy="3000374"/>
+            <a:off x="6798733" y="2828497"/>
+            <a:ext cx="4345024" cy="2962070"/>
           </a:xfrm>
           <a:prstGeom prst="roundRect">
             <a:avLst>
